--- a/picture/vitrualization/qemu/qemu.pptx
+++ b/picture/vitrualization/qemu/qemu.pptx
@@ -6848,7 +6848,7 @@
             <a:solidFill>
               <a:srgbClr val="3EAF7C"/>
             </a:solidFill>
-            <a:prstDash val="sysDot"/>
+            <a:prstDash val="solid"/>
           </a:ln>
         </p:spPr>
         <p:style>
@@ -8337,6 +8337,47 @@
           </a:p>
         </p:txBody>
       </p:sp>
+      <p:cxnSp>
+        <p:nvCxnSpPr>
+          <p:cNvPr id="6" name="肘形连接符 5"/>
+          <p:cNvCxnSpPr>
+            <a:stCxn id="94" idx="3"/>
+            <a:endCxn id="72" idx="3"/>
+          </p:cNvCxnSpPr>
+          <p:nvPr/>
+        </p:nvCxnSpPr>
+        <p:spPr>
+          <a:xfrm>
+            <a:off x="10938510" y="2326640"/>
+            <a:ext cx="689610" cy="1898650"/>
+          </a:xfrm>
+          <a:prstGeom prst="bentConnector3">
+            <a:avLst>
+              <a:gd name="adj1" fmla="val 134530"/>
+            </a:avLst>
+          </a:prstGeom>
+          <a:ln w="38100">
+            <a:solidFill>
+              <a:srgbClr val="3EAF7C"/>
+            </a:solidFill>
+            <a:tailEnd type="arrow"/>
+          </a:ln>
+        </p:spPr>
+        <p:style>
+          <a:lnRef idx="1">
+            <a:schemeClr val="accent1"/>
+          </a:lnRef>
+          <a:fillRef idx="0">
+            <a:schemeClr val="accent1"/>
+          </a:fillRef>
+          <a:effectRef idx="0">
+            <a:schemeClr val="accent1"/>
+          </a:effectRef>
+          <a:fontRef idx="minor">
+            <a:schemeClr val="tx1"/>
+          </a:fontRef>
+        </p:style>
+      </p:cxnSp>
     </p:spTree>
   </p:cSld>
   <p:clrMapOvr>

--- a/picture/vitrualization/qemu/qemu.pptx
+++ b/picture/vitrualization/qemu/qemu.pptx
@@ -5,10 +5,10 @@
     <p:sldMasterId id="2147483648" r:id="rId1"/>
   </p:sldMasterIdLst>
   <p:notesMasterIdLst>
-    <p:notesMasterId r:id="rId32"/>
+    <p:notesMasterId r:id="rId33"/>
   </p:notesMasterIdLst>
   <p:handoutMasterIdLst>
-    <p:handoutMasterId r:id="rId33"/>
+    <p:handoutMasterId r:id="rId34"/>
   </p:handoutMasterIdLst>
   <p:sldIdLst>
     <p:sldId id="256" r:id="rId3"/>
@@ -35,11 +35,12 @@
     <p:sldId id="276" r:id="rId24"/>
     <p:sldId id="277" r:id="rId25"/>
     <p:sldId id="278" r:id="rId26"/>
-    <p:sldId id="279" r:id="rId27"/>
-    <p:sldId id="303" r:id="rId28"/>
-    <p:sldId id="304" r:id="rId29"/>
-    <p:sldId id="305" r:id="rId30"/>
-    <p:sldId id="306" r:id="rId31"/>
+    <p:sldId id="303" r:id="rId27"/>
+    <p:sldId id="279" r:id="rId28"/>
+    <p:sldId id="330" r:id="rId29"/>
+    <p:sldId id="304" r:id="rId30"/>
+    <p:sldId id="305" r:id="rId31"/>
+    <p:sldId id="306" r:id="rId32"/>
   </p:sldIdLst>
   <p:sldSz cx="12192000" cy="6858000"/>
   <p:notesSz cx="7103745" cy="10234295"/>
@@ -31606,476 +31607,6 @@
       <p:grpSpPr/>
       <p:sp>
         <p:nvSpPr>
-          <p:cNvPr id="35" name="矩形 34"/>
-          <p:cNvSpPr/>
-          <p:nvPr/>
-        </p:nvSpPr>
-        <p:spPr>
-          <a:xfrm>
-            <a:off x="1713865" y="1165860"/>
-            <a:ext cx="8356600" cy="2082165"/>
-          </a:xfrm>
-          <a:prstGeom prst="rect">
-            <a:avLst/>
-          </a:prstGeom>
-          <a:noFill/>
-          <a:ln w="28575">
-            <a:solidFill>
-              <a:srgbClr val="2C3E50"/>
-            </a:solidFill>
-          </a:ln>
-          <a:extLst>
-            <a:ext uri="{909E8E84-426E-40DD-AFC4-6F175D3DCCD1}">
-              <a14:hiddenFill xmlns:a14="http://schemas.microsoft.com/office/drawing/2010/main">
-                <a:solidFill>
-                  <a:schemeClr val="accent1"/>
-                </a:solidFill>
-              </a14:hiddenFill>
-            </a:ext>
-          </a:extLst>
-        </p:spPr>
-        <p:style>
-          <a:lnRef idx="2">
-            <a:schemeClr val="accent1">
-              <a:shade val="50000"/>
-            </a:schemeClr>
-          </a:lnRef>
-          <a:fillRef idx="1">
-            <a:schemeClr val="accent1"/>
-          </a:fillRef>
-          <a:effectRef idx="0">
-            <a:schemeClr val="accent1"/>
-          </a:effectRef>
-          <a:fontRef idx="minor">
-            <a:schemeClr val="lt1"/>
-          </a:fontRef>
-        </p:style>
-        <p:txBody>
-          <a:bodyPr rtlCol="0" anchor="ctr"/>
-          <a:p>
-            <a:pPr algn="ctr"/>
-            <a:endParaRPr lang="en-US" altLang="zh-CN" sz="1200" b="1">
-              <a:solidFill>
-                <a:srgbClr val="2C3E50"/>
-              </a:solidFill>
-            </a:endParaRPr>
-          </a:p>
-        </p:txBody>
-      </p:sp>
-      <p:sp>
-        <p:nvSpPr>
-          <p:cNvPr id="36" name="矩形 35"/>
-          <p:cNvSpPr/>
-          <p:nvPr/>
-        </p:nvSpPr>
-        <p:spPr>
-          <a:xfrm>
-            <a:off x="5674995" y="1551305"/>
-            <a:ext cx="3987800" cy="1311275"/>
-          </a:xfrm>
-          <a:prstGeom prst="rect">
-            <a:avLst/>
-          </a:prstGeom>
-          <a:noFill/>
-          <a:ln w="28575">
-            <a:solidFill>
-              <a:srgbClr val="2C3E50"/>
-            </a:solidFill>
-          </a:ln>
-          <a:extLst>
-            <a:ext uri="{909E8E84-426E-40DD-AFC4-6F175D3DCCD1}">
-              <a14:hiddenFill xmlns:a14="http://schemas.microsoft.com/office/drawing/2010/main">
-                <a:solidFill>
-                  <a:schemeClr val="accent1"/>
-                </a:solidFill>
-              </a14:hiddenFill>
-            </a:ext>
-          </a:extLst>
-        </p:spPr>
-        <p:style>
-          <a:lnRef idx="2">
-            <a:schemeClr val="accent1">
-              <a:shade val="50000"/>
-            </a:schemeClr>
-          </a:lnRef>
-          <a:fillRef idx="1">
-            <a:schemeClr val="accent1"/>
-          </a:fillRef>
-          <a:effectRef idx="0">
-            <a:schemeClr val="accent1"/>
-          </a:effectRef>
-          <a:fontRef idx="minor">
-            <a:schemeClr val="lt1"/>
-          </a:fontRef>
-        </p:style>
-        <p:txBody>
-          <a:bodyPr rtlCol="0" anchor="ctr"/>
-          <a:p>
-            <a:pPr algn="ctr"/>
-            <a:endParaRPr lang="en-US" altLang="zh-CN" sz="1200" b="1">
-              <a:solidFill>
-                <a:srgbClr val="2C3E50"/>
-              </a:solidFill>
-            </a:endParaRPr>
-          </a:p>
-        </p:txBody>
-      </p:sp>
-      <p:sp>
-        <p:nvSpPr>
-          <p:cNvPr id="37" name="矩形 36"/>
-          <p:cNvSpPr/>
-          <p:nvPr/>
-        </p:nvSpPr>
-        <p:spPr>
-          <a:xfrm>
-            <a:off x="1713865" y="3902710"/>
-            <a:ext cx="8357235" cy="1316990"/>
-          </a:xfrm>
-          <a:prstGeom prst="rect">
-            <a:avLst/>
-          </a:prstGeom>
-          <a:noFill/>
-          <a:ln w="28575">
-            <a:solidFill>
-              <a:srgbClr val="2C3E50"/>
-            </a:solidFill>
-          </a:ln>
-          <a:extLst>
-            <a:ext uri="{909E8E84-426E-40DD-AFC4-6F175D3DCCD1}">
-              <a14:hiddenFill xmlns:a14="http://schemas.microsoft.com/office/drawing/2010/main">
-                <a:solidFill>
-                  <a:schemeClr val="accent1"/>
-                </a:solidFill>
-              </a14:hiddenFill>
-            </a:ext>
-          </a:extLst>
-        </p:spPr>
-        <p:style>
-          <a:lnRef idx="2">
-            <a:schemeClr val="accent1">
-              <a:shade val="50000"/>
-            </a:schemeClr>
-          </a:lnRef>
-          <a:fillRef idx="1">
-            <a:schemeClr val="accent1"/>
-          </a:fillRef>
-          <a:effectRef idx="0">
-            <a:schemeClr val="accent1"/>
-          </a:effectRef>
-          <a:fontRef idx="minor">
-            <a:schemeClr val="lt1"/>
-          </a:fontRef>
-        </p:style>
-        <p:txBody>
-          <a:bodyPr rtlCol="0" anchor="ctr"/>
-          <a:p>
-            <a:pPr algn="ctr"/>
-            <a:endParaRPr lang="en-US" altLang="zh-CN" sz="1200" b="1">
-              <a:solidFill>
-                <a:srgbClr val="2C3E50"/>
-              </a:solidFill>
-            </a:endParaRPr>
-          </a:p>
-        </p:txBody>
-      </p:sp>
-      <p:sp>
-        <p:nvSpPr>
-          <p:cNvPr id="38" name="矩形 37"/>
-          <p:cNvSpPr/>
-          <p:nvPr/>
-        </p:nvSpPr>
-        <p:spPr>
-          <a:xfrm>
-            <a:off x="1784985" y="5601970"/>
-            <a:ext cx="2117725" cy="599440"/>
-          </a:xfrm>
-          <a:prstGeom prst="rect">
-            <a:avLst/>
-          </a:prstGeom>
-          <a:noFill/>
-          <a:ln w="28575">
-            <a:solidFill>
-              <a:srgbClr val="2C3E50"/>
-            </a:solidFill>
-          </a:ln>
-          <a:extLst>
-            <a:ext uri="{909E8E84-426E-40DD-AFC4-6F175D3DCCD1}">
-              <a14:hiddenFill xmlns:a14="http://schemas.microsoft.com/office/drawing/2010/main">
-                <a:solidFill>
-                  <a:schemeClr val="accent1"/>
-                </a:solidFill>
-              </a14:hiddenFill>
-            </a:ext>
-          </a:extLst>
-        </p:spPr>
-        <p:style>
-          <a:lnRef idx="2">
-            <a:schemeClr val="accent1">
-              <a:shade val="50000"/>
-            </a:schemeClr>
-          </a:lnRef>
-          <a:fillRef idx="1">
-            <a:schemeClr val="accent1"/>
-          </a:fillRef>
-          <a:effectRef idx="0">
-            <a:schemeClr val="accent1"/>
-          </a:effectRef>
-          <a:fontRef idx="minor">
-            <a:schemeClr val="lt1"/>
-          </a:fontRef>
-        </p:style>
-        <p:txBody>
-          <a:bodyPr rtlCol="0" anchor="ctr"/>
-          <a:p>
-            <a:pPr algn="l"/>
-            <a:r>
-              <a:rPr lang="en-US" altLang="en-US" sz="1200" b="1">
-                <a:solidFill>
-                  <a:srgbClr val="2C3E50"/>
-                </a:solidFill>
-              </a:rPr>
-              <a:t>device</a:t>
-            </a:r>
-            <a:endParaRPr lang="en-US" altLang="en-US" sz="1200" b="1">
-              <a:solidFill>
-                <a:srgbClr val="2C3E50"/>
-              </a:solidFill>
-            </a:endParaRPr>
-          </a:p>
-          <a:p>
-            <a:pPr algn="l"/>
-            <a:endParaRPr lang="en-US" altLang="en-US" sz="1200" b="1">
-              <a:solidFill>
-                <a:srgbClr val="2C3E50"/>
-              </a:solidFill>
-            </a:endParaRPr>
-          </a:p>
-          <a:p>
-            <a:pPr algn="l"/>
-            <a:endParaRPr lang="en-US" altLang="en-US" sz="1200" b="1">
-              <a:solidFill>
-                <a:srgbClr val="2C3E50"/>
-              </a:solidFill>
-            </a:endParaRPr>
-          </a:p>
-        </p:txBody>
-      </p:sp>
-      <p:sp>
-        <p:nvSpPr>
-          <p:cNvPr id="40" name="矩形 39"/>
-          <p:cNvSpPr/>
-          <p:nvPr/>
-        </p:nvSpPr>
-        <p:spPr>
-          <a:xfrm>
-            <a:off x="1957705" y="4276725"/>
-            <a:ext cx="1117600" cy="783590"/>
-          </a:xfrm>
-          <a:prstGeom prst="rect">
-            <a:avLst/>
-          </a:prstGeom>
-          <a:noFill/>
-          <a:ln w="28575">
-            <a:solidFill>
-              <a:srgbClr val="2C3E50"/>
-            </a:solidFill>
-          </a:ln>
-          <a:extLst>
-            <a:ext uri="{909E8E84-426E-40DD-AFC4-6F175D3DCCD1}">
-              <a14:hiddenFill xmlns:a14="http://schemas.microsoft.com/office/drawing/2010/main">
-                <a:solidFill>
-                  <a:schemeClr val="accent1"/>
-                </a:solidFill>
-              </a14:hiddenFill>
-            </a:ext>
-          </a:extLst>
-        </p:spPr>
-        <p:style>
-          <a:lnRef idx="2">
-            <a:schemeClr val="accent1">
-              <a:shade val="50000"/>
-            </a:schemeClr>
-          </a:lnRef>
-          <a:fillRef idx="1">
-            <a:schemeClr val="accent1"/>
-          </a:fillRef>
-          <a:effectRef idx="0">
-            <a:schemeClr val="accent1"/>
-          </a:effectRef>
-          <a:fontRef idx="minor">
-            <a:schemeClr val="lt1"/>
-          </a:fontRef>
-        </p:style>
-        <p:txBody>
-          <a:bodyPr rtlCol="0" anchor="ctr"/>
-          <a:p>
-            <a:pPr algn="ctr"/>
-            <a:r>
-              <a:rPr lang="en-US" altLang="en-US" sz="1200" b="1">
-                <a:solidFill>
-                  <a:srgbClr val="2C3E50"/>
-                </a:solidFill>
-              </a:rPr>
-              <a:t>VFIO</a:t>
-            </a:r>
-            <a:endParaRPr lang="en-US" altLang="en-US" sz="1200" b="1">
-              <a:solidFill>
-                <a:srgbClr val="2C3E50"/>
-              </a:solidFill>
-            </a:endParaRPr>
-          </a:p>
-        </p:txBody>
-      </p:sp>
-      <p:sp>
-        <p:nvSpPr>
-          <p:cNvPr id="42" name="矩形 41"/>
-          <p:cNvSpPr/>
-          <p:nvPr/>
-        </p:nvSpPr>
-        <p:spPr>
-          <a:xfrm>
-            <a:off x="4801870" y="4483100"/>
-            <a:ext cx="1114425" cy="456565"/>
-          </a:xfrm>
-          <a:prstGeom prst="rect">
-            <a:avLst/>
-          </a:prstGeom>
-          <a:noFill/>
-          <a:ln w="28575">
-            <a:solidFill>
-              <a:srgbClr val="2C3E50"/>
-            </a:solidFill>
-          </a:ln>
-          <a:extLst>
-            <a:ext uri="{909E8E84-426E-40DD-AFC4-6F175D3DCCD1}">
-              <a14:hiddenFill xmlns:a14="http://schemas.microsoft.com/office/drawing/2010/main">
-                <a:solidFill>
-                  <a:schemeClr val="accent1"/>
-                </a:solidFill>
-              </a14:hiddenFill>
-            </a:ext>
-          </a:extLst>
-        </p:spPr>
-        <p:style>
-          <a:lnRef idx="2">
-            <a:schemeClr val="accent1">
-              <a:shade val="50000"/>
-            </a:schemeClr>
-          </a:lnRef>
-          <a:fillRef idx="1">
-            <a:schemeClr val="accent1"/>
-          </a:fillRef>
-          <a:effectRef idx="0">
-            <a:schemeClr val="accent1"/>
-          </a:effectRef>
-          <a:fontRef idx="minor">
-            <a:schemeClr val="lt1"/>
-          </a:fontRef>
-        </p:style>
-        <p:txBody>
-          <a:bodyPr rtlCol="0" anchor="ctr"/>
-          <a:p>
-            <a:pPr algn="ctr"/>
-            <a:r>
-              <a:rPr lang="en-US" altLang="en-US" sz="1200" b="1">
-                <a:solidFill>
-                  <a:srgbClr val="2C3E50"/>
-                </a:solidFill>
-              </a:rPr>
-              <a:t>MMIO</a:t>
-            </a:r>
-            <a:endParaRPr lang="en-US" altLang="en-US" sz="1200" b="1">
-              <a:solidFill>
-                <a:srgbClr val="2C3E50"/>
-              </a:solidFill>
-            </a:endParaRPr>
-          </a:p>
-          <a:p>
-            <a:pPr algn="ctr"/>
-            <a:r>
-              <a:rPr lang="en-US" altLang="en-US" sz="1200" b="1">
-                <a:solidFill>
-                  <a:srgbClr val="2C3E50"/>
-                </a:solidFill>
-              </a:rPr>
-              <a:t>Remaping</a:t>
-            </a:r>
-            <a:endParaRPr lang="en-US" altLang="en-US" sz="1200" b="1">
-              <a:solidFill>
-                <a:srgbClr val="2C3E50"/>
-              </a:solidFill>
-            </a:endParaRPr>
-          </a:p>
-        </p:txBody>
-      </p:sp>
-      <p:sp>
-        <p:nvSpPr>
-          <p:cNvPr id="43" name="矩形 42"/>
-          <p:cNvSpPr/>
-          <p:nvPr/>
-        </p:nvSpPr>
-        <p:spPr>
-          <a:xfrm>
-            <a:off x="6478905" y="5735955"/>
-            <a:ext cx="1099820" cy="599440"/>
-          </a:xfrm>
-          <a:prstGeom prst="rect">
-            <a:avLst/>
-          </a:prstGeom>
-          <a:noFill/>
-          <a:ln w="28575">
-            <a:solidFill>
-              <a:srgbClr val="2C3E50"/>
-            </a:solidFill>
-          </a:ln>
-          <a:extLst>
-            <a:ext uri="{909E8E84-426E-40DD-AFC4-6F175D3DCCD1}">
-              <a14:hiddenFill xmlns:a14="http://schemas.microsoft.com/office/drawing/2010/main">
-                <a:solidFill>
-                  <a:schemeClr val="accent1"/>
-                </a:solidFill>
-              </a14:hiddenFill>
-            </a:ext>
-          </a:extLst>
-        </p:spPr>
-        <p:style>
-          <a:lnRef idx="2">
-            <a:schemeClr val="accent1">
-              <a:shade val="50000"/>
-            </a:schemeClr>
-          </a:lnRef>
-          <a:fillRef idx="1">
-            <a:schemeClr val="accent1"/>
-          </a:fillRef>
-          <a:effectRef idx="0">
-            <a:schemeClr val="accent1"/>
-          </a:effectRef>
-          <a:fontRef idx="minor">
-            <a:schemeClr val="lt1"/>
-          </a:fontRef>
-        </p:style>
-        <p:txBody>
-          <a:bodyPr rtlCol="0" anchor="ctr"/>
-          <a:p>
-            <a:pPr algn="ctr"/>
-            <a:r>
-              <a:rPr lang="en-US" altLang="en-US" sz="1200" b="1">
-                <a:solidFill>
-                  <a:srgbClr val="2C3E50"/>
-                </a:solidFill>
-              </a:rPr>
-              <a:t>memory</a:t>
-            </a:r>
-            <a:endParaRPr lang="en-US" altLang="en-US" sz="1200" b="1">
-              <a:solidFill>
-                <a:srgbClr val="2C3E50"/>
-              </a:solidFill>
-            </a:endParaRPr>
-          </a:p>
-        </p:txBody>
-      </p:sp>
-      <p:sp>
-        <p:nvSpPr>
           <p:cNvPr id="2" name="文本框 1"/>
           <p:cNvSpPr txBox="true"/>
           <p:nvPr/>
@@ -32083,7 +31614,7 @@
         <p:spPr>
           <a:xfrm>
             <a:off x="805815" y="430530"/>
-            <a:ext cx="1205865" cy="368300"/>
+            <a:ext cx="2814955" cy="368300"/>
           </a:xfrm>
           <a:prstGeom prst="rect">
             <a:avLst/>
@@ -32117,7 +31648,7 @@
                   <a:srgbClr val="2C3E50"/>
                 </a:solidFill>
               </a:rPr>
-              <a:t>框架</a:t>
+              <a:t>三大问题与解决方法</a:t>
             </a:r>
             <a:endParaRPr lang="zh-CN" altLang="en-US" b="1">
               <a:solidFill>
@@ -32129,63 +31660,58 @@
       </p:sp>
       <p:sp>
         <p:nvSpPr>
-          <p:cNvPr id="3" name="矩形 2"/>
-          <p:cNvSpPr/>
+          <p:cNvPr id="3" name="文本框 2"/>
+          <p:cNvSpPr txBox="true"/>
           <p:nvPr/>
         </p:nvSpPr>
         <p:spPr>
           <a:xfrm>
-            <a:off x="8753475" y="5601970"/>
-            <a:ext cx="1310640" cy="599440"/>
+            <a:off x="595630" y="1123950"/>
+            <a:ext cx="2369185" cy="275590"/>
           </a:xfrm>
           <a:prstGeom prst="rect">
             <a:avLst/>
           </a:prstGeom>
           <a:noFill/>
-          <a:ln w="28575">
-            <a:solidFill>
-              <a:srgbClr val="2C3E50"/>
-            </a:solidFill>
-          </a:ln>
-          <a:extLst>
-            <a:ext uri="{909E8E84-426E-40DD-AFC4-6F175D3DCCD1}">
-              <a14:hiddenFill xmlns:a14="http://schemas.microsoft.com/office/drawing/2010/main">
-                <a:solidFill>
-                  <a:schemeClr val="accent1"/>
-                </a:solidFill>
-              </a14:hiddenFill>
-            </a:ext>
-          </a:extLst>
-        </p:spPr>
-        <p:style>
-          <a:lnRef idx="2">
-            <a:schemeClr val="accent1">
-              <a:shade val="50000"/>
-            </a:schemeClr>
-          </a:lnRef>
-          <a:fillRef idx="1">
-            <a:schemeClr val="accent1"/>
-          </a:fillRef>
-          <a:effectRef idx="0">
-            <a:schemeClr val="accent1"/>
-          </a:effectRef>
-          <a:fontRef idx="minor">
-            <a:schemeClr val="lt1"/>
-          </a:fontRef>
-        </p:style>
+        </p:spPr>
         <p:txBody>
-          <a:bodyPr rtlCol="0" anchor="ctr"/>
+          <a:bodyPr wrap="none" rtlCol="0">
+            <a:spAutoFit/>
+          </a:bodyPr>
           <a:p>
-            <a:pPr algn="ctr"/>
             <a:r>
-              <a:rPr lang="en-US" altLang="en-US" sz="1200" b="1">
+              <a:rPr lang="en-US" altLang="zh-CN" sz="1200" b="1">
                 <a:solidFill>
                   <a:srgbClr val="2C3E50"/>
                 </a:solidFill>
               </a:rPr>
-              <a:t>cpu</a:t>
+              <a:t>1.</a:t>
             </a:r>
-            <a:endParaRPr lang="en-US" altLang="en-US" sz="1200" b="1">
+            <a:r>
+              <a:rPr lang="zh-CN" altLang="en-US" sz="1200" b="1">
+                <a:solidFill>
+                  <a:srgbClr val="2C3E50"/>
+                </a:solidFill>
+              </a:rPr>
+              <a:t>驱动程序对</a:t>
+            </a:r>
+            <a:r>
+              <a:rPr lang="en-US" altLang="zh-CN" sz="1200" b="1">
+                <a:solidFill>
+                  <a:srgbClr val="2C3E50"/>
+                </a:solidFill>
+              </a:rPr>
+              <a:t>IO</a:t>
+            </a:r>
+            <a:r>
+              <a:rPr lang="zh-CN" altLang="en-US" sz="1200" b="1">
+                <a:solidFill>
+                  <a:srgbClr val="2C3E50"/>
+                </a:solidFill>
+              </a:rPr>
+              <a:t>地址空间的访问</a:t>
+            </a:r>
+            <a:endParaRPr lang="zh-CN" altLang="en-US" sz="1200" b="1">
               <a:solidFill>
                 <a:srgbClr val="2C3E50"/>
               </a:solidFill>
@@ -32195,63 +31721,58 @@
       </p:sp>
       <p:sp>
         <p:nvSpPr>
-          <p:cNvPr id="4" name="矩形 3"/>
-          <p:cNvSpPr/>
+          <p:cNvPr id="4" name="文本框 3"/>
+          <p:cNvSpPr txBox="true"/>
           <p:nvPr/>
         </p:nvSpPr>
         <p:spPr>
           <a:xfrm>
-            <a:off x="3392805" y="4483100"/>
-            <a:ext cx="1169670" cy="456565"/>
+            <a:off x="595630" y="2443480"/>
+            <a:ext cx="2579370" cy="275590"/>
           </a:xfrm>
           <a:prstGeom prst="rect">
             <a:avLst/>
           </a:prstGeom>
           <a:noFill/>
-          <a:ln w="28575">
-            <a:solidFill>
-              <a:srgbClr val="2C3E50"/>
-            </a:solidFill>
-          </a:ln>
-          <a:extLst>
-            <a:ext uri="{909E8E84-426E-40DD-AFC4-6F175D3DCCD1}">
-              <a14:hiddenFill xmlns:a14="http://schemas.microsoft.com/office/drawing/2010/main">
-                <a:solidFill>
-                  <a:schemeClr val="accent1"/>
-                </a:solidFill>
-              </a14:hiddenFill>
-            </a:ext>
-          </a:extLst>
-        </p:spPr>
-        <p:style>
-          <a:lnRef idx="2">
-            <a:schemeClr val="accent1">
-              <a:shade val="50000"/>
-            </a:schemeClr>
-          </a:lnRef>
-          <a:fillRef idx="1">
-            <a:schemeClr val="accent1"/>
-          </a:fillRef>
-          <a:effectRef idx="0">
-            <a:schemeClr val="accent1"/>
-          </a:effectRef>
-          <a:fontRef idx="minor">
-            <a:schemeClr val="lt1"/>
-          </a:fontRef>
-        </p:style>
+        </p:spPr>
         <p:txBody>
-          <a:bodyPr rtlCol="0" anchor="ctr"/>
+          <a:bodyPr wrap="none" rtlCol="0">
+            <a:spAutoFit/>
+          </a:bodyPr>
           <a:p>
-            <a:pPr algn="ctr"/>
             <a:r>
-              <a:rPr lang="en-US" altLang="en-US" sz="1200" b="1">
+              <a:rPr lang="en-US" altLang="zh-CN" sz="1200" b="1">
                 <a:solidFill>
                   <a:srgbClr val="2C3E50"/>
                 </a:solidFill>
               </a:rPr>
-              <a:t>IO Remaping</a:t>
+              <a:t>2.</a:t>
             </a:r>
-            <a:endParaRPr lang="en-US" altLang="en-US" sz="1200" b="1">
+            <a:r>
+              <a:rPr lang="zh-CN" altLang="en-US" sz="1200" b="1">
+                <a:solidFill>
+                  <a:srgbClr val="2C3E50"/>
+                </a:solidFill>
+              </a:rPr>
+              <a:t>设备通过</a:t>
+            </a:r>
+            <a:r>
+              <a:rPr lang="en-US" altLang="zh-CN" sz="1200" b="1">
+                <a:solidFill>
+                  <a:srgbClr val="2C3E50"/>
+                </a:solidFill>
+              </a:rPr>
+              <a:t>DMA</a:t>
+            </a:r>
+            <a:r>
+              <a:rPr lang="zh-CN" altLang="en-US" sz="1200" b="1">
+                <a:solidFill>
+                  <a:srgbClr val="2C3E50"/>
+                </a:solidFill>
+              </a:rPr>
+              <a:t>对外设数据的访问</a:t>
+            </a:r>
+            <a:endParaRPr lang="zh-CN" altLang="en-US" sz="1200" b="1">
               <a:solidFill>
                 <a:srgbClr val="2C3E50"/>
               </a:solidFill>
@@ -32267,8 +31788,8 @@
         </p:nvSpPr>
         <p:spPr>
           <a:xfrm>
-            <a:off x="1899920" y="1322070"/>
-            <a:ext cx="692150" cy="275590"/>
+            <a:off x="595630" y="3189605"/>
+            <a:ext cx="4582160" cy="275590"/>
           </a:xfrm>
           <a:prstGeom prst="rect">
             <a:avLst/>
@@ -32286,9 +31807,17 @@
                   <a:srgbClr val="2C3E50"/>
                 </a:solidFill>
               </a:rPr>
-              <a:t>QEMU</a:t>
+              <a:t>3.</a:t>
             </a:r>
-            <a:endParaRPr lang="en-US" altLang="zh-CN" sz="1200" b="1">
+            <a:r>
+              <a:rPr lang="zh-CN" altLang="en-US" sz="1200" b="1">
+                <a:solidFill>
+                  <a:srgbClr val="2C3E50"/>
+                </a:solidFill>
+              </a:rPr>
+              <a:t>中断隔离与迁移（避免虚拟机通过直通设备发送一些恶意中断）</a:t>
+            </a:r>
+            <a:endParaRPr lang="" altLang="zh-CN" sz="1200" b="1">
               <a:solidFill>
                 <a:srgbClr val="2C3E50"/>
               </a:solidFill>
@@ -32304,8 +31833,8 @@
         </p:nvSpPr>
         <p:spPr>
           <a:xfrm>
-            <a:off x="5843905" y="1690370"/>
-            <a:ext cx="1042670" cy="275590"/>
+            <a:off x="889000" y="2795270"/>
+            <a:ext cx="1524000" cy="245110"/>
           </a:xfrm>
           <a:prstGeom prst="rect">
             <a:avLst/>
@@ -32318,14 +31847,30 @@
           </a:bodyPr>
           <a:p>
             <a:r>
-              <a:rPr lang="en-US" altLang="zh-CN" sz="1200" b="1">
+              <a:rPr lang="en-US" altLang="zh-CN" sz="1000" b="1">
                 <a:solidFill>
                   <a:srgbClr val="2C3E50"/>
                 </a:solidFill>
               </a:rPr>
-              <a:t>GUEST OS</a:t>
+              <a:t>VT-d</a:t>
             </a:r>
-            <a:endParaRPr lang="en-US" altLang="zh-CN" sz="1200" b="1">
+            <a:r>
+              <a:rPr lang="en-US" altLang="en-US" sz="1000" b="1">
+                <a:solidFill>
+                  <a:srgbClr val="2C3E50"/>
+                </a:solidFill>
+              </a:rPr>
+              <a:t> DMA</a:t>
+            </a:r>
+            <a:r>
+              <a:rPr lang="zh-CN" altLang="en-US" sz="1000" b="1">
+                <a:solidFill>
+                  <a:srgbClr val="2C3E50"/>
+                </a:solidFill>
+              </a:rPr>
+              <a:t>重映射技术</a:t>
+            </a:r>
+            <a:endParaRPr lang="zh-CN" altLang="en-US" sz="1000" b="1">
               <a:solidFill>
                 <a:srgbClr val="2C3E50"/>
               </a:solidFill>
@@ -32341,8 +31886,8 @@
         </p:nvSpPr>
         <p:spPr>
           <a:xfrm>
-            <a:off x="8223250" y="3908425"/>
-            <a:ext cx="1421765" cy="275590"/>
+            <a:off x="889000" y="3549650"/>
+            <a:ext cx="1141730" cy="245110"/>
           </a:xfrm>
           <a:prstGeom prst="rect">
             <a:avLst/>
@@ -32355,14 +31900,22 @@
           </a:bodyPr>
           <a:p>
             <a:r>
-              <a:rPr lang="en-US" altLang="zh-CN" sz="1200" b="1">
+              <a:rPr lang="en-US" altLang="zh-CN" sz="1000" b="1">
                 <a:solidFill>
                   <a:srgbClr val="2C3E50"/>
                 </a:solidFill>
               </a:rPr>
-              <a:t>VMM HOST OS</a:t>
+              <a:t>VT-d </a:t>
             </a:r>
-            <a:endParaRPr lang="en-US" altLang="zh-CN" sz="1200" b="1">
+            <a:r>
+              <a:rPr lang="zh-CN" altLang="en-US" sz="1000" b="1">
+                <a:solidFill>
+                  <a:srgbClr val="2C3E50"/>
+                </a:solidFill>
+              </a:rPr>
+              <a:t>中断重映射</a:t>
+            </a:r>
+            <a:endParaRPr lang="zh-CN" altLang="en-US" sz="1000" b="1">
               <a:solidFill>
                 <a:srgbClr val="2C3E50"/>
               </a:solidFill>
@@ -32372,63 +31925,130 @@
       </p:sp>
       <p:sp>
         <p:nvSpPr>
-          <p:cNvPr id="8" name="矩形 7"/>
-          <p:cNvSpPr/>
+          <p:cNvPr id="8" name="文本框 7"/>
+          <p:cNvSpPr txBox="true"/>
           <p:nvPr/>
         </p:nvSpPr>
         <p:spPr>
           <a:xfrm>
-            <a:off x="4819650" y="5734050"/>
-            <a:ext cx="1078230" cy="598805"/>
+            <a:off x="889000" y="1605915"/>
+            <a:ext cx="6598920" cy="245110"/>
           </a:xfrm>
           <a:prstGeom prst="rect">
             <a:avLst/>
           </a:prstGeom>
           <a:noFill/>
-          <a:ln w="28575">
-            <a:solidFill>
-              <a:srgbClr val="2C3E50"/>
-            </a:solidFill>
-          </a:ln>
-          <a:extLst>
-            <a:ext uri="{909E8E84-426E-40DD-AFC4-6F175D3DCCD1}">
-              <a14:hiddenFill xmlns:a14="http://schemas.microsoft.com/office/drawing/2010/main">
-                <a:solidFill>
-                  <a:schemeClr val="accent1"/>
-                </a:solidFill>
-              </a14:hiddenFill>
-            </a:ext>
-          </a:extLst>
-        </p:spPr>
-        <p:style>
-          <a:lnRef idx="2">
-            <a:schemeClr val="accent1">
-              <a:shade val="50000"/>
-            </a:schemeClr>
-          </a:lnRef>
-          <a:fillRef idx="1">
-            <a:schemeClr val="accent1"/>
-          </a:fillRef>
-          <a:effectRef idx="0">
-            <a:schemeClr val="accent1"/>
-          </a:effectRef>
-          <a:fontRef idx="minor">
-            <a:schemeClr val="lt1"/>
-          </a:fontRef>
-        </p:style>
+        </p:spPr>
         <p:txBody>
-          <a:bodyPr rtlCol="0" anchor="ctr"/>
+          <a:bodyPr wrap="none" rtlCol="0">
+            <a:spAutoFit/>
+          </a:bodyPr>
           <a:p>
-            <a:pPr algn="ctr"/>
             <a:r>
-              <a:rPr lang="en-US" altLang="en-US" sz="1200" b="1">
+              <a:rPr lang="zh-CN" altLang="en-US" sz="1000" b="1">
                 <a:solidFill>
                   <a:srgbClr val="2C3E50"/>
                 </a:solidFill>
               </a:rPr>
-              <a:t>DMA</a:t>
+              <a:t>方式一：报告真实的</a:t>
             </a:r>
-            <a:endParaRPr lang="en-US" altLang="en-US" sz="1200" b="1">
+            <a:r>
+              <a:rPr lang="en-US" altLang="zh-CN" sz="1000" b="1">
+                <a:solidFill>
+                  <a:srgbClr val="2C3E50"/>
+                </a:solidFill>
+              </a:rPr>
+              <a:t>PCI BAR</a:t>
+            </a:r>
+            <a:r>
+              <a:rPr lang="zh-CN" altLang="en-US" sz="1000" b="1">
+                <a:solidFill>
+                  <a:srgbClr val="2C3E50"/>
+                </a:solidFill>
+              </a:rPr>
+              <a:t>给客户机，通过</a:t>
+            </a:r>
+            <a:r>
+              <a:rPr lang="en-US" altLang="zh-CN" sz="1000" b="1">
+                <a:solidFill>
+                  <a:srgbClr val="2C3E50"/>
+                </a:solidFill>
+              </a:rPr>
+              <a:t>VMCS</a:t>
+            </a:r>
+            <a:r>
+              <a:rPr lang="zh-CN" altLang="en-US" sz="1000" b="1">
+                <a:solidFill>
+                  <a:srgbClr val="2C3E50"/>
+                </a:solidFill>
+              </a:rPr>
+              <a:t>的</a:t>
+            </a:r>
+            <a:r>
+              <a:rPr lang="en-US" altLang="zh-CN" sz="1000" b="1">
+                <a:solidFill>
+                  <a:srgbClr val="2C3E50"/>
+                </a:solidFill>
+              </a:rPr>
+              <a:t>IO </a:t>
+            </a:r>
+            <a:r>
+              <a:rPr lang="en-US" altLang="en-US" sz="1000" b="1">
+                <a:solidFill>
+                  <a:srgbClr val="2C3E50"/>
+                </a:solidFill>
+              </a:rPr>
+              <a:t>bitmap</a:t>
+            </a:r>
+            <a:r>
+              <a:rPr lang="zh-CN" altLang="en-US" sz="1000" b="1">
+                <a:solidFill>
+                  <a:srgbClr val="2C3E50"/>
+                </a:solidFill>
+              </a:rPr>
+              <a:t>来控制对</a:t>
+            </a:r>
+            <a:r>
+              <a:rPr lang="en-US" altLang="zh-CN" sz="1000" b="1">
+                <a:solidFill>
+                  <a:srgbClr val="2C3E50"/>
+                </a:solidFill>
+              </a:rPr>
+              <a:t>IO </a:t>
+            </a:r>
+            <a:r>
+              <a:rPr lang="zh-CN" altLang="en-US" sz="1000" b="1">
+                <a:solidFill>
+                  <a:srgbClr val="2C3E50"/>
+                </a:solidFill>
+              </a:rPr>
+              <a:t>和</a:t>
+            </a:r>
+            <a:r>
+              <a:rPr lang="en-US" altLang="zh-CN" sz="1000" b="1">
+                <a:solidFill>
+                  <a:srgbClr val="2C3E50"/>
+                </a:solidFill>
+              </a:rPr>
+              <a:t>MMIO</a:t>
+            </a:r>
+            <a:r>
+              <a:rPr lang="zh-CN" altLang="en-US" sz="1000" b="1">
+                <a:solidFill>
+                  <a:srgbClr val="2C3E50"/>
+                </a:solidFill>
+              </a:rPr>
+              <a:t>访问均不引起</a:t>
+            </a:r>
+            <a:r>
+              <a:rPr lang="en-US" altLang="zh-CN" sz="1000" b="1">
+                <a:solidFill>
+                  <a:srgbClr val="2C3E50"/>
+                </a:solidFill>
+              </a:rPr>
+              <a:t>VM-Exit</a:t>
+            </a:r>
+            <a:endParaRPr lang="en-US" altLang="zh-CN" sz="1000" b="1">
               <a:solidFill>
                 <a:srgbClr val="2C3E50"/>
               </a:solidFill>
@@ -32438,63 +32058,130 @@
       </p:sp>
       <p:sp>
         <p:nvSpPr>
-          <p:cNvPr id="9" name="矩形 8"/>
-          <p:cNvSpPr/>
+          <p:cNvPr id="9" name="文本框 8"/>
+          <p:cNvSpPr txBox="true"/>
           <p:nvPr/>
         </p:nvSpPr>
         <p:spPr>
           <a:xfrm>
-            <a:off x="3020695" y="5701030"/>
-            <a:ext cx="755015" cy="200660"/>
+            <a:off x="889000" y="1908175"/>
+            <a:ext cx="6314440" cy="245110"/>
           </a:xfrm>
           <a:prstGeom prst="rect">
             <a:avLst/>
           </a:prstGeom>
           <a:noFill/>
-          <a:ln w="28575">
-            <a:solidFill>
-              <a:srgbClr val="2C3E50"/>
-            </a:solidFill>
-          </a:ln>
-          <a:extLst>
-            <a:ext uri="{909E8E84-426E-40DD-AFC4-6F175D3DCCD1}">
-              <a14:hiddenFill xmlns:a14="http://schemas.microsoft.com/office/drawing/2010/main">
-                <a:solidFill>
-                  <a:schemeClr val="accent1"/>
-                </a:solidFill>
-              </a14:hiddenFill>
-            </a:ext>
-          </a:extLst>
-        </p:spPr>
-        <p:style>
-          <a:lnRef idx="2">
-            <a:schemeClr val="accent1">
-              <a:shade val="50000"/>
-            </a:schemeClr>
-          </a:lnRef>
-          <a:fillRef idx="1">
-            <a:schemeClr val="accent1"/>
-          </a:fillRef>
-          <a:effectRef idx="0">
-            <a:schemeClr val="accent1"/>
-          </a:effectRef>
-          <a:fontRef idx="minor">
-            <a:schemeClr val="lt1"/>
-          </a:fontRef>
-        </p:style>
+        </p:spPr>
         <p:txBody>
-          <a:bodyPr rtlCol="0" anchor="ctr"/>
+          <a:bodyPr wrap="none" rtlCol="0">
+            <a:spAutoFit/>
+          </a:bodyPr>
           <a:p>
-            <a:pPr algn="ctr"/>
             <a:r>
-              <a:rPr lang="en-US" altLang="en-US" sz="1200" b="1">
+              <a:rPr lang="zh-CN" altLang="en-US" sz="1000" b="1">
+                <a:solidFill>
+                  <a:srgbClr val="2C3E50"/>
+                </a:solidFill>
+              </a:rPr>
+              <a:t>方式二：报告虚拟的</a:t>
+            </a:r>
+            <a:r>
+              <a:rPr lang="en-US" altLang="zh-CN" sz="1000" b="1">
+                <a:solidFill>
+                  <a:srgbClr val="2C3E50"/>
+                </a:solidFill>
+              </a:rPr>
+              <a:t>PCI BAR</a:t>
+            </a:r>
+            <a:r>
+              <a:rPr lang="zh-CN" altLang="en-US" sz="1000" b="1">
+                <a:solidFill>
+                  <a:srgbClr val="2C3E50"/>
+                </a:solidFill>
+              </a:rPr>
+              <a:t>给客户机，</a:t>
+            </a:r>
+            <a:r>
+              <a:rPr lang="en-US" altLang="zh-CN" sz="1000" b="1">
+                <a:solidFill>
+                  <a:srgbClr val="2C3E50"/>
+                </a:solidFill>
+              </a:rPr>
+              <a:t>VMM</a:t>
+            </a:r>
+            <a:r>
+              <a:rPr lang="zh-CN" altLang="en-US" sz="1000" b="1">
+                <a:solidFill>
+                  <a:srgbClr val="2C3E50"/>
+                </a:solidFill>
+              </a:rPr>
+              <a:t>捕获</a:t>
+            </a:r>
+            <a:r>
+              <a:rPr lang="en-US" altLang="zh-CN" sz="1000" b="1">
                 <a:solidFill>
                   <a:srgbClr val="2C3E50"/>
                 </a:solidFill>
               </a:rPr>
               <a:t>IO</a:t>
             </a:r>
-            <a:endParaRPr lang="en-US" altLang="en-US" sz="1200" b="1">
+            <a:r>
+              <a:rPr lang="zh-CN" altLang="en-US" sz="1000" b="1">
+                <a:solidFill>
+                  <a:srgbClr val="2C3E50"/>
+                </a:solidFill>
+              </a:rPr>
+              <a:t>和</a:t>
+            </a:r>
+            <a:r>
+              <a:rPr lang="en-US" altLang="zh-CN" sz="1000" b="1">
+                <a:solidFill>
+                  <a:srgbClr val="2C3E50"/>
+                </a:solidFill>
+              </a:rPr>
+              <a:t>MMIO</a:t>
+            </a:r>
+            <a:r>
+              <a:rPr lang="zh-CN" altLang="en-US" sz="1000" b="1">
+                <a:solidFill>
+                  <a:srgbClr val="2C3E50"/>
+                </a:solidFill>
+              </a:rPr>
+              <a:t>操作，通过</a:t>
+            </a:r>
+            <a:r>
+              <a:rPr lang="en-US" altLang="zh-CN" sz="1000" b="1">
+                <a:solidFill>
+                  <a:srgbClr val="2C3E50"/>
+                </a:solidFill>
+              </a:rPr>
+              <a:t>IO</a:t>
+            </a:r>
+            <a:r>
+              <a:rPr lang="zh-CN" altLang="en-US" sz="1000" b="1">
+                <a:solidFill>
+                  <a:srgbClr val="2C3E50"/>
+                </a:solidFill>
+              </a:rPr>
+              <a:t>转表和</a:t>
+            </a:r>
+            <a:r>
+              <a:rPr lang="en-US" altLang="zh-CN" sz="1000" b="1">
+                <a:solidFill>
+                  <a:srgbClr val="2C3E50"/>
+                </a:solidFill>
+              </a:rPr>
+              <a:t>MMIO</a:t>
+            </a:r>
+            <a:r>
+              <a:rPr lang="zh-CN" altLang="en-US" sz="1000" b="1">
+                <a:solidFill>
+                  <a:srgbClr val="2C3E50"/>
+                </a:solidFill>
+              </a:rPr>
+              <a:t>转换表进行转换</a:t>
+            </a:r>
+            <a:endParaRPr lang="zh-CN" altLang="en-US" sz="1000" b="1">
               <a:solidFill>
                 <a:srgbClr val="2C3E50"/>
               </a:solidFill>
@@ -32502,748 +32189,6 @@
           </a:p>
         </p:txBody>
       </p:sp>
-      <p:sp>
-        <p:nvSpPr>
-          <p:cNvPr id="10" name="矩形 9"/>
-          <p:cNvSpPr/>
-          <p:nvPr/>
-        </p:nvSpPr>
-        <p:spPr>
-          <a:xfrm>
-            <a:off x="3020695" y="5932805"/>
-            <a:ext cx="743585" cy="200660"/>
-          </a:xfrm>
-          <a:prstGeom prst="rect">
-            <a:avLst/>
-          </a:prstGeom>
-          <a:noFill/>
-          <a:ln w="28575">
-            <a:solidFill>
-              <a:srgbClr val="2C3E50"/>
-            </a:solidFill>
-          </a:ln>
-          <a:extLst>
-            <a:ext uri="{909E8E84-426E-40DD-AFC4-6F175D3DCCD1}">
-              <a14:hiddenFill xmlns:a14="http://schemas.microsoft.com/office/drawing/2010/main">
-                <a:solidFill>
-                  <a:schemeClr val="accent1"/>
-                </a:solidFill>
-              </a14:hiddenFill>
-            </a:ext>
-          </a:extLst>
-        </p:spPr>
-        <p:style>
-          <a:lnRef idx="2">
-            <a:schemeClr val="accent1">
-              <a:shade val="50000"/>
-            </a:schemeClr>
-          </a:lnRef>
-          <a:fillRef idx="1">
-            <a:schemeClr val="accent1"/>
-          </a:fillRef>
-          <a:effectRef idx="0">
-            <a:schemeClr val="accent1"/>
-          </a:effectRef>
-          <a:fontRef idx="minor">
-            <a:schemeClr val="lt1"/>
-          </a:fontRef>
-        </p:style>
-        <p:txBody>
-          <a:bodyPr rtlCol="0" anchor="ctr"/>
-          <a:p>
-            <a:pPr algn="ctr"/>
-            <a:r>
-              <a:rPr lang="en-US" altLang="en-US" sz="1200" b="1">
-                <a:solidFill>
-                  <a:srgbClr val="2C3E50"/>
-                </a:solidFill>
-              </a:rPr>
-              <a:t>MMIO</a:t>
-            </a:r>
-            <a:endParaRPr lang="en-US" altLang="en-US" sz="1200" b="1">
-              <a:solidFill>
-                <a:srgbClr val="2C3E50"/>
-              </a:solidFill>
-            </a:endParaRPr>
-          </a:p>
-        </p:txBody>
-      </p:sp>
-      <p:sp>
-        <p:nvSpPr>
-          <p:cNvPr id="11" name="矩形 10"/>
-          <p:cNvSpPr/>
-          <p:nvPr/>
-        </p:nvSpPr>
-        <p:spPr>
-          <a:xfrm>
-            <a:off x="7542530" y="4277360"/>
-            <a:ext cx="1116965" cy="782955"/>
-          </a:xfrm>
-          <a:prstGeom prst="rect">
-            <a:avLst/>
-          </a:prstGeom>
-          <a:noFill/>
-          <a:ln w="28575">
-            <a:solidFill>
-              <a:srgbClr val="2C3E50"/>
-            </a:solidFill>
-          </a:ln>
-          <a:extLst>
-            <a:ext uri="{909E8E84-426E-40DD-AFC4-6F175D3DCCD1}">
-              <a14:hiddenFill xmlns:a14="http://schemas.microsoft.com/office/drawing/2010/main">
-                <a:solidFill>
-                  <a:schemeClr val="accent1"/>
-                </a:solidFill>
-              </a14:hiddenFill>
-            </a:ext>
-          </a:extLst>
-        </p:spPr>
-        <p:style>
-          <a:lnRef idx="2">
-            <a:schemeClr val="accent1">
-              <a:shade val="50000"/>
-            </a:schemeClr>
-          </a:lnRef>
-          <a:fillRef idx="1">
-            <a:schemeClr val="accent1"/>
-          </a:fillRef>
-          <a:effectRef idx="0">
-            <a:schemeClr val="accent1"/>
-          </a:effectRef>
-          <a:fontRef idx="minor">
-            <a:schemeClr val="lt1"/>
-          </a:fontRef>
-        </p:style>
-        <p:txBody>
-          <a:bodyPr rtlCol="0" anchor="ctr"/>
-          <a:p>
-            <a:pPr algn="ctr"/>
-            <a:r>
-              <a:rPr lang="en-US" altLang="en-US" sz="1200" b="1">
-                <a:solidFill>
-                  <a:srgbClr val="2C3E50"/>
-                </a:solidFill>
-              </a:rPr>
-              <a:t>EPT</a:t>
-            </a:r>
-            <a:endParaRPr lang="en-US" altLang="en-US" sz="1200" b="1">
-              <a:solidFill>
-                <a:srgbClr val="2C3E50"/>
-              </a:solidFill>
-            </a:endParaRPr>
-          </a:p>
-        </p:txBody>
-      </p:sp>
-      <p:sp>
-        <p:nvSpPr>
-          <p:cNvPr id="12" name="矩形 11"/>
-          <p:cNvSpPr/>
-          <p:nvPr/>
-        </p:nvSpPr>
-        <p:spPr>
-          <a:xfrm>
-            <a:off x="3330575" y="4276090"/>
-            <a:ext cx="2651125" cy="784225"/>
-          </a:xfrm>
-          <a:prstGeom prst="rect">
-            <a:avLst/>
-          </a:prstGeom>
-          <a:noFill/>
-          <a:ln w="28575">
-            <a:solidFill>
-              <a:srgbClr val="2C3E50"/>
-            </a:solidFill>
-          </a:ln>
-          <a:extLst>
-            <a:ext uri="{909E8E84-426E-40DD-AFC4-6F175D3DCCD1}">
-              <a14:hiddenFill xmlns:a14="http://schemas.microsoft.com/office/drawing/2010/main">
-                <a:solidFill>
-                  <a:schemeClr val="accent1"/>
-                </a:solidFill>
-              </a14:hiddenFill>
-            </a:ext>
-          </a:extLst>
-        </p:spPr>
-        <p:style>
-          <a:lnRef idx="2">
-            <a:schemeClr val="accent1">
-              <a:shade val="50000"/>
-            </a:schemeClr>
-          </a:lnRef>
-          <a:fillRef idx="1">
-            <a:schemeClr val="accent1"/>
-          </a:fillRef>
-          <a:effectRef idx="0">
-            <a:schemeClr val="accent1"/>
-          </a:effectRef>
-          <a:fontRef idx="minor">
-            <a:schemeClr val="lt1"/>
-          </a:fontRef>
-        </p:style>
-        <p:txBody>
-          <a:bodyPr rtlCol="0" anchor="ctr"/>
-          <a:p>
-            <a:pPr algn="ctr"/>
-            <a:r>
-              <a:rPr lang="en-US" altLang="en-US" sz="1200" b="1">
-                <a:solidFill>
-                  <a:srgbClr val="2C3E50"/>
-                </a:solidFill>
-              </a:rPr>
-              <a:t>VT-d</a:t>
-            </a:r>
-            <a:endParaRPr lang="en-US" altLang="en-US" sz="1200" b="1">
-              <a:solidFill>
-                <a:srgbClr val="2C3E50"/>
-              </a:solidFill>
-            </a:endParaRPr>
-          </a:p>
-          <a:p>
-            <a:pPr algn="ctr"/>
-            <a:endParaRPr lang="en-US" altLang="en-US" sz="1200" b="1">
-              <a:solidFill>
-                <a:srgbClr val="2C3E50"/>
-              </a:solidFill>
-            </a:endParaRPr>
-          </a:p>
-          <a:p>
-            <a:pPr algn="ctr"/>
-            <a:endParaRPr lang="en-US" altLang="en-US" sz="1200" b="1">
-              <a:solidFill>
-                <a:srgbClr val="2C3E50"/>
-              </a:solidFill>
-            </a:endParaRPr>
-          </a:p>
-          <a:p>
-            <a:pPr algn="ctr"/>
-            <a:endParaRPr lang="en-US" altLang="en-US" sz="1200" b="1">
-              <a:solidFill>
-                <a:srgbClr val="2C3E50"/>
-              </a:solidFill>
-            </a:endParaRPr>
-          </a:p>
-        </p:txBody>
-      </p:sp>
-      <p:sp>
-        <p:nvSpPr>
-          <p:cNvPr id="13" name="矩形 12"/>
-          <p:cNvSpPr/>
-          <p:nvPr/>
-        </p:nvSpPr>
-        <p:spPr>
-          <a:xfrm>
-            <a:off x="2169795" y="1799590"/>
-            <a:ext cx="1456055" cy="649605"/>
-          </a:xfrm>
-          <a:prstGeom prst="rect">
-            <a:avLst/>
-          </a:prstGeom>
-          <a:noFill/>
-          <a:ln w="28575">
-            <a:solidFill>
-              <a:srgbClr val="2C3E50"/>
-            </a:solidFill>
-          </a:ln>
-          <a:extLst>
-            <a:ext uri="{909E8E84-426E-40DD-AFC4-6F175D3DCCD1}">
-              <a14:hiddenFill xmlns:a14="http://schemas.microsoft.com/office/drawing/2010/main">
-                <a:solidFill>
-                  <a:schemeClr val="accent1"/>
-                </a:solidFill>
-              </a14:hiddenFill>
-            </a:ext>
-          </a:extLst>
-        </p:spPr>
-        <p:style>
-          <a:lnRef idx="2">
-            <a:schemeClr val="accent1">
-              <a:shade val="50000"/>
-            </a:schemeClr>
-          </a:lnRef>
-          <a:fillRef idx="1">
-            <a:schemeClr val="accent1"/>
-          </a:fillRef>
-          <a:effectRef idx="0">
-            <a:schemeClr val="accent1"/>
-          </a:effectRef>
-          <a:fontRef idx="minor">
-            <a:schemeClr val="lt1"/>
-          </a:fontRef>
-        </p:style>
-        <p:txBody>
-          <a:bodyPr rtlCol="0" anchor="ctr"/>
-          <a:p>
-            <a:pPr algn="ctr"/>
-            <a:r>
-              <a:rPr lang="en-US" altLang="en-US" sz="1200" b="1">
-                <a:solidFill>
-                  <a:srgbClr val="2C3E50"/>
-                </a:solidFill>
-              </a:rPr>
-              <a:t>controlor</a:t>
-            </a:r>
-            <a:endParaRPr lang="en-US" altLang="en-US" sz="1200" b="1">
-              <a:solidFill>
-                <a:srgbClr val="2C3E50"/>
-              </a:solidFill>
-            </a:endParaRPr>
-          </a:p>
-        </p:txBody>
-      </p:sp>
-      <p:cxnSp>
-        <p:nvCxnSpPr>
-          <p:cNvPr id="14" name="肘形连接符 13"/>
-          <p:cNvCxnSpPr>
-            <a:stCxn id="13" idx="2"/>
-            <a:endCxn id="40" idx="0"/>
-          </p:cNvCxnSpPr>
-          <p:nvPr/>
-        </p:nvCxnSpPr>
-        <p:spPr>
-          <a:xfrm rot="5400000">
-            <a:off x="1793558" y="3172143"/>
-            <a:ext cx="1827530" cy="381635"/>
-          </a:xfrm>
-          <a:prstGeom prst="bentConnector3">
-            <a:avLst>
-              <a:gd name="adj1" fmla="val 49983"/>
-            </a:avLst>
-          </a:prstGeom>
-          <a:ln w="38100">
-            <a:solidFill>
-              <a:srgbClr val="3EAF7C"/>
-            </a:solidFill>
-            <a:headEnd type="arrow"/>
-            <a:tailEnd type="arrow"/>
-          </a:ln>
-        </p:spPr>
-        <p:style>
-          <a:lnRef idx="1">
-            <a:schemeClr val="accent1"/>
-          </a:lnRef>
-          <a:fillRef idx="0">
-            <a:schemeClr val="accent1"/>
-          </a:fillRef>
-          <a:effectRef idx="0">
-            <a:schemeClr val="accent1"/>
-          </a:effectRef>
-          <a:fontRef idx="minor">
-            <a:schemeClr val="tx1"/>
-          </a:fontRef>
-        </p:style>
-      </p:cxnSp>
-      <p:cxnSp>
-        <p:nvCxnSpPr>
-          <p:cNvPr id="15" name="肘形连接符 14"/>
-          <p:cNvCxnSpPr>
-            <a:stCxn id="40" idx="2"/>
-            <a:endCxn id="38" idx="0"/>
-          </p:cNvCxnSpPr>
-          <p:nvPr/>
-        </p:nvCxnSpPr>
-        <p:spPr>
-          <a:xfrm rot="5400000" flipV="true">
-            <a:off x="2409825" y="5166995"/>
-            <a:ext cx="541655" cy="327660"/>
-          </a:xfrm>
-          <a:prstGeom prst="bentConnector3">
-            <a:avLst>
-              <a:gd name="adj1" fmla="val 50000"/>
-            </a:avLst>
-          </a:prstGeom>
-          <a:ln w="38100">
-            <a:solidFill>
-              <a:srgbClr val="3EAF7C"/>
-            </a:solidFill>
-            <a:headEnd type="arrow"/>
-            <a:tailEnd type="arrow"/>
-          </a:ln>
-        </p:spPr>
-        <p:style>
-          <a:lnRef idx="1">
-            <a:schemeClr val="accent1"/>
-          </a:lnRef>
-          <a:fillRef idx="0">
-            <a:schemeClr val="accent1"/>
-          </a:fillRef>
-          <a:effectRef idx="0">
-            <a:schemeClr val="accent1"/>
-          </a:effectRef>
-          <a:fontRef idx="minor">
-            <a:schemeClr val="tx1"/>
-          </a:fontRef>
-        </p:style>
-      </p:cxnSp>
-      <p:cxnSp>
-        <p:nvCxnSpPr>
-          <p:cNvPr id="16" name="肘形连接符 15"/>
-          <p:cNvCxnSpPr>
-            <a:stCxn id="36" idx="1"/>
-            <a:endCxn id="4" idx="0"/>
-          </p:cNvCxnSpPr>
-          <p:nvPr/>
-        </p:nvCxnSpPr>
-        <p:spPr>
-          <a:xfrm rot="10800000" flipV="true">
-            <a:off x="3977005" y="2207260"/>
-            <a:ext cx="1697355" cy="2275840"/>
-          </a:xfrm>
-          <a:prstGeom prst="bentConnector2">
-            <a:avLst/>
-          </a:prstGeom>
-          <a:ln w="38100">
-            <a:solidFill>
-              <a:srgbClr val="CC0000"/>
-            </a:solidFill>
-            <a:headEnd type="arrow"/>
-            <a:tailEnd type="arrow"/>
-          </a:ln>
-        </p:spPr>
-        <p:style>
-          <a:lnRef idx="1">
-            <a:schemeClr val="accent1"/>
-          </a:lnRef>
-          <a:fillRef idx="0">
-            <a:schemeClr val="accent1"/>
-          </a:fillRef>
-          <a:effectRef idx="0">
-            <a:schemeClr val="accent1"/>
-          </a:effectRef>
-          <a:fontRef idx="minor">
-            <a:schemeClr val="tx1"/>
-          </a:fontRef>
-        </p:style>
-      </p:cxnSp>
-      <p:cxnSp>
-        <p:nvCxnSpPr>
-          <p:cNvPr id="17" name="肘形连接符 16"/>
-          <p:cNvCxnSpPr>
-            <a:stCxn id="4" idx="2"/>
-            <a:endCxn id="9" idx="3"/>
-          </p:cNvCxnSpPr>
-          <p:nvPr/>
-        </p:nvCxnSpPr>
-        <p:spPr>
-          <a:xfrm rot="5400000">
-            <a:off x="3445828" y="5269548"/>
-            <a:ext cx="861695" cy="201930"/>
-          </a:xfrm>
-          <a:prstGeom prst="bentConnector2">
-            <a:avLst/>
-          </a:prstGeom>
-          <a:ln w="38100">
-            <a:solidFill>
-              <a:srgbClr val="CC0000"/>
-            </a:solidFill>
-            <a:headEnd type="arrow"/>
-            <a:tailEnd type="arrow"/>
-          </a:ln>
-        </p:spPr>
-        <p:style>
-          <a:lnRef idx="1">
-            <a:schemeClr val="accent1"/>
-          </a:lnRef>
-          <a:fillRef idx="0">
-            <a:schemeClr val="accent1"/>
-          </a:fillRef>
-          <a:effectRef idx="0">
-            <a:schemeClr val="accent1"/>
-          </a:effectRef>
-          <a:fontRef idx="minor">
-            <a:schemeClr val="tx1"/>
-          </a:fontRef>
-        </p:style>
-      </p:cxnSp>
-      <p:cxnSp>
-        <p:nvCxnSpPr>
-          <p:cNvPr id="18" name="肘形连接符 17"/>
-          <p:cNvCxnSpPr>
-            <a:stCxn id="10" idx="3"/>
-            <a:endCxn id="8" idx="1"/>
-          </p:cNvCxnSpPr>
-          <p:nvPr/>
-        </p:nvCxnSpPr>
-        <p:spPr>
-          <a:xfrm>
-            <a:off x="3764280" y="6033135"/>
-            <a:ext cx="1055370" cy="635"/>
-          </a:xfrm>
-          <a:prstGeom prst="bentConnector3">
-            <a:avLst>
-              <a:gd name="adj1" fmla="val 50000"/>
-            </a:avLst>
-          </a:prstGeom>
-          <a:ln w="38100">
-            <a:solidFill>
-              <a:srgbClr val="7030A0"/>
-            </a:solidFill>
-            <a:headEnd type="arrow"/>
-            <a:tailEnd type="arrow"/>
-          </a:ln>
-        </p:spPr>
-        <p:style>
-          <a:lnRef idx="1">
-            <a:schemeClr val="accent1"/>
-          </a:lnRef>
-          <a:fillRef idx="0">
-            <a:schemeClr val="accent1"/>
-          </a:fillRef>
-          <a:effectRef idx="0">
-            <a:schemeClr val="accent1"/>
-          </a:effectRef>
-          <a:fontRef idx="minor">
-            <a:schemeClr val="tx1"/>
-          </a:fontRef>
-        </p:style>
-      </p:cxnSp>
-      <p:cxnSp>
-        <p:nvCxnSpPr>
-          <p:cNvPr id="19" name="肘形连接符 18"/>
-          <p:cNvCxnSpPr>
-            <a:stCxn id="42" idx="2"/>
-            <a:endCxn id="8" idx="0"/>
-          </p:cNvCxnSpPr>
-          <p:nvPr/>
-        </p:nvCxnSpPr>
-        <p:spPr>
-          <a:xfrm rot="5400000">
-            <a:off x="4961890" y="5336540"/>
-            <a:ext cx="794385" cy="635"/>
-          </a:xfrm>
-          <a:prstGeom prst="bentConnector3">
-            <a:avLst>
-              <a:gd name="adj1" fmla="val 50040"/>
-            </a:avLst>
-          </a:prstGeom>
-          <a:ln w="38100">
-            <a:solidFill>
-              <a:srgbClr val="7030A0"/>
-            </a:solidFill>
-            <a:headEnd type="arrow"/>
-            <a:tailEnd type="arrow"/>
-          </a:ln>
-        </p:spPr>
-        <p:style>
-          <a:lnRef idx="1">
-            <a:schemeClr val="accent1"/>
-          </a:lnRef>
-          <a:fillRef idx="0">
-            <a:schemeClr val="accent1"/>
-          </a:fillRef>
-          <a:effectRef idx="0">
-            <a:schemeClr val="accent1"/>
-          </a:effectRef>
-          <a:fontRef idx="minor">
-            <a:schemeClr val="tx1"/>
-          </a:fontRef>
-        </p:style>
-      </p:cxnSp>
-      <p:cxnSp>
-        <p:nvCxnSpPr>
-          <p:cNvPr id="20" name="肘形连接符 19"/>
-          <p:cNvCxnSpPr>
-            <a:stCxn id="8" idx="3"/>
-            <a:endCxn id="43" idx="1"/>
-          </p:cNvCxnSpPr>
-          <p:nvPr/>
-        </p:nvCxnSpPr>
-        <p:spPr>
-          <a:xfrm>
-            <a:off x="5897880" y="6033770"/>
-            <a:ext cx="581025" cy="1905"/>
-          </a:xfrm>
-          <a:prstGeom prst="bentConnector3">
-            <a:avLst>
-              <a:gd name="adj1" fmla="val 50055"/>
-            </a:avLst>
-          </a:prstGeom>
-          <a:ln w="38100">
-            <a:solidFill>
-              <a:srgbClr val="7030A0"/>
-            </a:solidFill>
-            <a:headEnd type="arrow"/>
-            <a:tailEnd type="arrow"/>
-          </a:ln>
-        </p:spPr>
-        <p:style>
-          <a:lnRef idx="1">
-            <a:schemeClr val="accent1"/>
-          </a:lnRef>
-          <a:fillRef idx="0">
-            <a:schemeClr val="accent1"/>
-          </a:fillRef>
-          <a:effectRef idx="0">
-            <a:schemeClr val="accent1"/>
-          </a:effectRef>
-          <a:fontRef idx="minor">
-            <a:schemeClr val="tx1"/>
-          </a:fontRef>
-        </p:style>
-      </p:cxnSp>
-      <p:cxnSp>
-        <p:nvCxnSpPr>
-          <p:cNvPr id="21" name="肘形连接符 20"/>
-          <p:cNvCxnSpPr>
-            <a:stCxn id="3" idx="0"/>
-            <a:endCxn id="11" idx="3"/>
-          </p:cNvCxnSpPr>
-          <p:nvPr/>
-        </p:nvCxnSpPr>
-        <p:spPr>
-          <a:xfrm rot="16200000" flipV="true">
-            <a:off x="8567420" y="4760595"/>
-            <a:ext cx="932815" cy="749300"/>
-          </a:xfrm>
-          <a:prstGeom prst="bentConnector2">
-            <a:avLst/>
-          </a:prstGeom>
-          <a:ln w="38100">
-            <a:solidFill>
-              <a:srgbClr val="92D050"/>
-            </a:solidFill>
-            <a:headEnd type="arrow"/>
-            <a:tailEnd type="arrow"/>
-          </a:ln>
-        </p:spPr>
-        <p:style>
-          <a:lnRef idx="1">
-            <a:schemeClr val="accent1"/>
-          </a:lnRef>
-          <a:fillRef idx="0">
-            <a:schemeClr val="accent1"/>
-          </a:fillRef>
-          <a:effectRef idx="0">
-            <a:schemeClr val="accent1"/>
-          </a:effectRef>
-          <a:fontRef idx="minor">
-            <a:schemeClr val="tx1"/>
-          </a:fontRef>
-        </p:style>
-      </p:cxnSp>
-      <p:cxnSp>
-        <p:nvCxnSpPr>
-          <p:cNvPr id="22" name="肘形连接符 21"/>
-          <p:cNvCxnSpPr>
-            <a:stCxn id="11" idx="1"/>
-            <a:endCxn id="43" idx="0"/>
-          </p:cNvCxnSpPr>
-          <p:nvPr/>
-        </p:nvCxnSpPr>
-        <p:spPr>
-          <a:xfrm rot="10800000" flipV="true">
-            <a:off x="7028815" y="4669155"/>
-            <a:ext cx="513715" cy="1066800"/>
-          </a:xfrm>
-          <a:prstGeom prst="bentConnector2">
-            <a:avLst/>
-          </a:prstGeom>
-          <a:ln w="38100">
-            <a:solidFill>
-              <a:srgbClr val="92D050"/>
-            </a:solidFill>
-            <a:headEnd type="arrow"/>
-            <a:tailEnd type="arrow"/>
-          </a:ln>
-        </p:spPr>
-        <p:style>
-          <a:lnRef idx="1">
-            <a:schemeClr val="accent1"/>
-          </a:lnRef>
-          <a:fillRef idx="0">
-            <a:schemeClr val="accent1"/>
-          </a:fillRef>
-          <a:effectRef idx="0">
-            <a:schemeClr val="accent1"/>
-          </a:effectRef>
-          <a:fontRef idx="minor">
-            <a:schemeClr val="tx1"/>
-          </a:fontRef>
-        </p:style>
-      </p:cxnSp>
-      <p:cxnSp>
-        <p:nvCxnSpPr>
-          <p:cNvPr id="23" name="肘形连接符 22"/>
-          <p:cNvCxnSpPr>
-            <a:stCxn id="36" idx="2"/>
-            <a:endCxn id="11" idx="0"/>
-          </p:cNvCxnSpPr>
-          <p:nvPr/>
-        </p:nvCxnSpPr>
-        <p:spPr>
-          <a:xfrm rot="5400000" flipV="true">
-            <a:off x="7177405" y="3353435"/>
-            <a:ext cx="1414780" cy="432435"/>
-          </a:xfrm>
-          <a:prstGeom prst="bentConnector3">
-            <a:avLst>
-              <a:gd name="adj1" fmla="val 49978"/>
-            </a:avLst>
-          </a:prstGeom>
-          <a:ln w="38100">
-            <a:solidFill>
-              <a:srgbClr val="FFC000"/>
-            </a:solidFill>
-            <a:headEnd type="arrow"/>
-            <a:tailEnd type="arrow"/>
-          </a:ln>
-        </p:spPr>
-        <p:style>
-          <a:lnRef idx="1">
-            <a:schemeClr val="accent1"/>
-          </a:lnRef>
-          <a:fillRef idx="0">
-            <a:schemeClr val="accent1"/>
-          </a:fillRef>
-          <a:effectRef idx="0">
-            <a:schemeClr val="accent1"/>
-          </a:effectRef>
-          <a:fontRef idx="minor">
-            <a:schemeClr val="tx1"/>
-          </a:fontRef>
-        </p:style>
-      </p:cxnSp>
-      <p:cxnSp>
-        <p:nvCxnSpPr>
-          <p:cNvPr id="24" name="肘形连接符 23"/>
-          <p:cNvCxnSpPr>
-            <a:stCxn id="11" idx="2"/>
-            <a:endCxn id="10" idx="2"/>
-          </p:cNvCxnSpPr>
-          <p:nvPr/>
-        </p:nvCxnSpPr>
-        <p:spPr>
-          <a:xfrm rot="5400000">
-            <a:off x="5210175" y="3242310"/>
-            <a:ext cx="1073150" cy="4708525"/>
-          </a:xfrm>
-          <a:prstGeom prst="bentConnector3">
-            <a:avLst>
-              <a:gd name="adj1" fmla="val 147130"/>
-            </a:avLst>
-          </a:prstGeom>
-          <a:ln w="38100">
-            <a:solidFill>
-              <a:srgbClr val="FFC000"/>
-            </a:solidFill>
-            <a:headEnd type="arrow"/>
-            <a:tailEnd type="arrow"/>
-          </a:ln>
-        </p:spPr>
-        <p:style>
-          <a:lnRef idx="1">
-            <a:schemeClr val="accent1"/>
-          </a:lnRef>
-          <a:fillRef idx="0">
-            <a:schemeClr val="accent1"/>
-          </a:fillRef>
-          <a:effectRef idx="0">
-            <a:schemeClr val="accent1"/>
-          </a:effectRef>
-          <a:fontRef idx="minor">
-            <a:schemeClr val="tx1"/>
-          </a:fontRef>
-        </p:style>
-      </p:cxnSp>
     </p:spTree>
   </p:cSld>
   <p:clrMapOvr>
@@ -33264,6 +32209,476 @@
       <p:grpSpPr/>
       <p:sp>
         <p:nvSpPr>
+          <p:cNvPr id="35" name="矩形 34"/>
+          <p:cNvSpPr/>
+          <p:nvPr/>
+        </p:nvSpPr>
+        <p:spPr>
+          <a:xfrm>
+            <a:off x="1713865" y="1165860"/>
+            <a:ext cx="8356600" cy="2082165"/>
+          </a:xfrm>
+          <a:prstGeom prst="rect">
+            <a:avLst/>
+          </a:prstGeom>
+          <a:noFill/>
+          <a:ln w="28575">
+            <a:solidFill>
+              <a:srgbClr val="2C3E50"/>
+            </a:solidFill>
+          </a:ln>
+          <a:extLst>
+            <a:ext uri="{909E8E84-426E-40DD-AFC4-6F175D3DCCD1}">
+              <a14:hiddenFill xmlns:a14="http://schemas.microsoft.com/office/drawing/2010/main">
+                <a:solidFill>
+                  <a:schemeClr val="accent1"/>
+                </a:solidFill>
+              </a14:hiddenFill>
+            </a:ext>
+          </a:extLst>
+        </p:spPr>
+        <p:style>
+          <a:lnRef idx="2">
+            <a:schemeClr val="accent1">
+              <a:shade val="50000"/>
+            </a:schemeClr>
+          </a:lnRef>
+          <a:fillRef idx="1">
+            <a:schemeClr val="accent1"/>
+          </a:fillRef>
+          <a:effectRef idx="0">
+            <a:schemeClr val="accent1"/>
+          </a:effectRef>
+          <a:fontRef idx="minor">
+            <a:schemeClr val="lt1"/>
+          </a:fontRef>
+        </p:style>
+        <p:txBody>
+          <a:bodyPr rtlCol="0" anchor="ctr"/>
+          <a:p>
+            <a:pPr algn="ctr"/>
+            <a:endParaRPr lang="en-US" altLang="zh-CN" sz="1200" b="1">
+              <a:solidFill>
+                <a:srgbClr val="2C3E50"/>
+              </a:solidFill>
+            </a:endParaRPr>
+          </a:p>
+        </p:txBody>
+      </p:sp>
+      <p:sp>
+        <p:nvSpPr>
+          <p:cNvPr id="36" name="矩形 35"/>
+          <p:cNvSpPr/>
+          <p:nvPr/>
+        </p:nvSpPr>
+        <p:spPr>
+          <a:xfrm>
+            <a:off x="5674995" y="1551305"/>
+            <a:ext cx="3987800" cy="1311275"/>
+          </a:xfrm>
+          <a:prstGeom prst="rect">
+            <a:avLst/>
+          </a:prstGeom>
+          <a:noFill/>
+          <a:ln w="28575">
+            <a:solidFill>
+              <a:srgbClr val="2C3E50"/>
+            </a:solidFill>
+          </a:ln>
+          <a:extLst>
+            <a:ext uri="{909E8E84-426E-40DD-AFC4-6F175D3DCCD1}">
+              <a14:hiddenFill xmlns:a14="http://schemas.microsoft.com/office/drawing/2010/main">
+                <a:solidFill>
+                  <a:schemeClr val="accent1"/>
+                </a:solidFill>
+              </a14:hiddenFill>
+            </a:ext>
+          </a:extLst>
+        </p:spPr>
+        <p:style>
+          <a:lnRef idx="2">
+            <a:schemeClr val="accent1">
+              <a:shade val="50000"/>
+            </a:schemeClr>
+          </a:lnRef>
+          <a:fillRef idx="1">
+            <a:schemeClr val="accent1"/>
+          </a:fillRef>
+          <a:effectRef idx="0">
+            <a:schemeClr val="accent1"/>
+          </a:effectRef>
+          <a:fontRef idx="minor">
+            <a:schemeClr val="lt1"/>
+          </a:fontRef>
+        </p:style>
+        <p:txBody>
+          <a:bodyPr rtlCol="0" anchor="ctr"/>
+          <a:p>
+            <a:pPr algn="ctr"/>
+            <a:endParaRPr lang="en-US" altLang="zh-CN" sz="1200" b="1">
+              <a:solidFill>
+                <a:srgbClr val="2C3E50"/>
+              </a:solidFill>
+            </a:endParaRPr>
+          </a:p>
+        </p:txBody>
+      </p:sp>
+      <p:sp>
+        <p:nvSpPr>
+          <p:cNvPr id="37" name="矩形 36"/>
+          <p:cNvSpPr/>
+          <p:nvPr/>
+        </p:nvSpPr>
+        <p:spPr>
+          <a:xfrm>
+            <a:off x="1713865" y="3902710"/>
+            <a:ext cx="8357235" cy="1316990"/>
+          </a:xfrm>
+          <a:prstGeom prst="rect">
+            <a:avLst/>
+          </a:prstGeom>
+          <a:noFill/>
+          <a:ln w="28575">
+            <a:solidFill>
+              <a:srgbClr val="2C3E50"/>
+            </a:solidFill>
+          </a:ln>
+          <a:extLst>
+            <a:ext uri="{909E8E84-426E-40DD-AFC4-6F175D3DCCD1}">
+              <a14:hiddenFill xmlns:a14="http://schemas.microsoft.com/office/drawing/2010/main">
+                <a:solidFill>
+                  <a:schemeClr val="accent1"/>
+                </a:solidFill>
+              </a14:hiddenFill>
+            </a:ext>
+          </a:extLst>
+        </p:spPr>
+        <p:style>
+          <a:lnRef idx="2">
+            <a:schemeClr val="accent1">
+              <a:shade val="50000"/>
+            </a:schemeClr>
+          </a:lnRef>
+          <a:fillRef idx="1">
+            <a:schemeClr val="accent1"/>
+          </a:fillRef>
+          <a:effectRef idx="0">
+            <a:schemeClr val="accent1"/>
+          </a:effectRef>
+          <a:fontRef idx="minor">
+            <a:schemeClr val="lt1"/>
+          </a:fontRef>
+        </p:style>
+        <p:txBody>
+          <a:bodyPr rtlCol="0" anchor="ctr"/>
+          <a:p>
+            <a:pPr algn="ctr"/>
+            <a:endParaRPr lang="en-US" altLang="zh-CN" sz="1200" b="1">
+              <a:solidFill>
+                <a:srgbClr val="2C3E50"/>
+              </a:solidFill>
+            </a:endParaRPr>
+          </a:p>
+        </p:txBody>
+      </p:sp>
+      <p:sp>
+        <p:nvSpPr>
+          <p:cNvPr id="38" name="矩形 37"/>
+          <p:cNvSpPr/>
+          <p:nvPr/>
+        </p:nvSpPr>
+        <p:spPr>
+          <a:xfrm>
+            <a:off x="1784985" y="5601970"/>
+            <a:ext cx="2117725" cy="599440"/>
+          </a:xfrm>
+          <a:prstGeom prst="rect">
+            <a:avLst/>
+          </a:prstGeom>
+          <a:noFill/>
+          <a:ln w="28575">
+            <a:solidFill>
+              <a:srgbClr val="2C3E50"/>
+            </a:solidFill>
+          </a:ln>
+          <a:extLst>
+            <a:ext uri="{909E8E84-426E-40DD-AFC4-6F175D3DCCD1}">
+              <a14:hiddenFill xmlns:a14="http://schemas.microsoft.com/office/drawing/2010/main">
+                <a:solidFill>
+                  <a:schemeClr val="accent1"/>
+                </a:solidFill>
+              </a14:hiddenFill>
+            </a:ext>
+          </a:extLst>
+        </p:spPr>
+        <p:style>
+          <a:lnRef idx="2">
+            <a:schemeClr val="accent1">
+              <a:shade val="50000"/>
+            </a:schemeClr>
+          </a:lnRef>
+          <a:fillRef idx="1">
+            <a:schemeClr val="accent1"/>
+          </a:fillRef>
+          <a:effectRef idx="0">
+            <a:schemeClr val="accent1"/>
+          </a:effectRef>
+          <a:fontRef idx="minor">
+            <a:schemeClr val="lt1"/>
+          </a:fontRef>
+        </p:style>
+        <p:txBody>
+          <a:bodyPr rtlCol="0" anchor="ctr"/>
+          <a:p>
+            <a:pPr algn="l"/>
+            <a:r>
+              <a:rPr lang="en-US" altLang="en-US" sz="1200" b="1">
+                <a:solidFill>
+                  <a:srgbClr val="2C3E50"/>
+                </a:solidFill>
+              </a:rPr>
+              <a:t>device</a:t>
+            </a:r>
+            <a:endParaRPr lang="en-US" altLang="en-US" sz="1200" b="1">
+              <a:solidFill>
+                <a:srgbClr val="2C3E50"/>
+              </a:solidFill>
+            </a:endParaRPr>
+          </a:p>
+          <a:p>
+            <a:pPr algn="l"/>
+            <a:endParaRPr lang="en-US" altLang="en-US" sz="1200" b="1">
+              <a:solidFill>
+                <a:srgbClr val="2C3E50"/>
+              </a:solidFill>
+            </a:endParaRPr>
+          </a:p>
+          <a:p>
+            <a:pPr algn="l"/>
+            <a:endParaRPr lang="en-US" altLang="en-US" sz="1200" b="1">
+              <a:solidFill>
+                <a:srgbClr val="2C3E50"/>
+              </a:solidFill>
+            </a:endParaRPr>
+          </a:p>
+        </p:txBody>
+      </p:sp>
+      <p:sp>
+        <p:nvSpPr>
+          <p:cNvPr id="40" name="矩形 39"/>
+          <p:cNvSpPr/>
+          <p:nvPr/>
+        </p:nvSpPr>
+        <p:spPr>
+          <a:xfrm>
+            <a:off x="1957705" y="4276725"/>
+            <a:ext cx="1117600" cy="783590"/>
+          </a:xfrm>
+          <a:prstGeom prst="rect">
+            <a:avLst/>
+          </a:prstGeom>
+          <a:noFill/>
+          <a:ln w="28575">
+            <a:solidFill>
+              <a:srgbClr val="2C3E50"/>
+            </a:solidFill>
+          </a:ln>
+          <a:extLst>
+            <a:ext uri="{909E8E84-426E-40DD-AFC4-6F175D3DCCD1}">
+              <a14:hiddenFill xmlns:a14="http://schemas.microsoft.com/office/drawing/2010/main">
+                <a:solidFill>
+                  <a:schemeClr val="accent1"/>
+                </a:solidFill>
+              </a14:hiddenFill>
+            </a:ext>
+          </a:extLst>
+        </p:spPr>
+        <p:style>
+          <a:lnRef idx="2">
+            <a:schemeClr val="accent1">
+              <a:shade val="50000"/>
+            </a:schemeClr>
+          </a:lnRef>
+          <a:fillRef idx="1">
+            <a:schemeClr val="accent1"/>
+          </a:fillRef>
+          <a:effectRef idx="0">
+            <a:schemeClr val="accent1"/>
+          </a:effectRef>
+          <a:fontRef idx="minor">
+            <a:schemeClr val="lt1"/>
+          </a:fontRef>
+        </p:style>
+        <p:txBody>
+          <a:bodyPr rtlCol="0" anchor="ctr"/>
+          <a:p>
+            <a:pPr algn="ctr"/>
+            <a:r>
+              <a:rPr lang="en-US" altLang="en-US" sz="1200" b="1">
+                <a:solidFill>
+                  <a:srgbClr val="2C3E50"/>
+                </a:solidFill>
+              </a:rPr>
+              <a:t>VFIO</a:t>
+            </a:r>
+            <a:endParaRPr lang="en-US" altLang="en-US" sz="1200" b="1">
+              <a:solidFill>
+                <a:srgbClr val="2C3E50"/>
+              </a:solidFill>
+            </a:endParaRPr>
+          </a:p>
+        </p:txBody>
+      </p:sp>
+      <p:sp>
+        <p:nvSpPr>
+          <p:cNvPr id="42" name="矩形 41"/>
+          <p:cNvSpPr/>
+          <p:nvPr/>
+        </p:nvSpPr>
+        <p:spPr>
+          <a:xfrm>
+            <a:off x="4801870" y="4483100"/>
+            <a:ext cx="1114425" cy="456565"/>
+          </a:xfrm>
+          <a:prstGeom prst="rect">
+            <a:avLst/>
+          </a:prstGeom>
+          <a:noFill/>
+          <a:ln w="28575">
+            <a:solidFill>
+              <a:srgbClr val="2C3E50"/>
+            </a:solidFill>
+          </a:ln>
+          <a:extLst>
+            <a:ext uri="{909E8E84-426E-40DD-AFC4-6F175D3DCCD1}">
+              <a14:hiddenFill xmlns:a14="http://schemas.microsoft.com/office/drawing/2010/main">
+                <a:solidFill>
+                  <a:schemeClr val="accent1"/>
+                </a:solidFill>
+              </a14:hiddenFill>
+            </a:ext>
+          </a:extLst>
+        </p:spPr>
+        <p:style>
+          <a:lnRef idx="2">
+            <a:schemeClr val="accent1">
+              <a:shade val="50000"/>
+            </a:schemeClr>
+          </a:lnRef>
+          <a:fillRef idx="1">
+            <a:schemeClr val="accent1"/>
+          </a:fillRef>
+          <a:effectRef idx="0">
+            <a:schemeClr val="accent1"/>
+          </a:effectRef>
+          <a:fontRef idx="minor">
+            <a:schemeClr val="lt1"/>
+          </a:fontRef>
+        </p:style>
+        <p:txBody>
+          <a:bodyPr rtlCol="0" anchor="ctr"/>
+          <a:p>
+            <a:pPr algn="ctr"/>
+            <a:r>
+              <a:rPr lang="en-US" altLang="en-US" sz="1200" b="1">
+                <a:solidFill>
+                  <a:srgbClr val="2C3E50"/>
+                </a:solidFill>
+              </a:rPr>
+              <a:t>MMIO</a:t>
+            </a:r>
+            <a:endParaRPr lang="en-US" altLang="en-US" sz="1200" b="1">
+              <a:solidFill>
+                <a:srgbClr val="2C3E50"/>
+              </a:solidFill>
+            </a:endParaRPr>
+          </a:p>
+          <a:p>
+            <a:pPr algn="ctr"/>
+            <a:r>
+              <a:rPr lang="en-US" altLang="en-US" sz="1200" b="1">
+                <a:solidFill>
+                  <a:srgbClr val="2C3E50"/>
+                </a:solidFill>
+              </a:rPr>
+              <a:t>Remaping</a:t>
+            </a:r>
+            <a:endParaRPr lang="en-US" altLang="en-US" sz="1200" b="1">
+              <a:solidFill>
+                <a:srgbClr val="2C3E50"/>
+              </a:solidFill>
+            </a:endParaRPr>
+          </a:p>
+        </p:txBody>
+      </p:sp>
+      <p:sp>
+        <p:nvSpPr>
+          <p:cNvPr id="43" name="矩形 42"/>
+          <p:cNvSpPr/>
+          <p:nvPr/>
+        </p:nvSpPr>
+        <p:spPr>
+          <a:xfrm>
+            <a:off x="6478905" y="5735955"/>
+            <a:ext cx="1099820" cy="599440"/>
+          </a:xfrm>
+          <a:prstGeom prst="rect">
+            <a:avLst/>
+          </a:prstGeom>
+          <a:noFill/>
+          <a:ln w="28575">
+            <a:solidFill>
+              <a:srgbClr val="2C3E50"/>
+            </a:solidFill>
+          </a:ln>
+          <a:extLst>
+            <a:ext uri="{909E8E84-426E-40DD-AFC4-6F175D3DCCD1}">
+              <a14:hiddenFill xmlns:a14="http://schemas.microsoft.com/office/drawing/2010/main">
+                <a:solidFill>
+                  <a:schemeClr val="accent1"/>
+                </a:solidFill>
+              </a14:hiddenFill>
+            </a:ext>
+          </a:extLst>
+        </p:spPr>
+        <p:style>
+          <a:lnRef idx="2">
+            <a:schemeClr val="accent1">
+              <a:shade val="50000"/>
+            </a:schemeClr>
+          </a:lnRef>
+          <a:fillRef idx="1">
+            <a:schemeClr val="accent1"/>
+          </a:fillRef>
+          <a:effectRef idx="0">
+            <a:schemeClr val="accent1"/>
+          </a:effectRef>
+          <a:fontRef idx="minor">
+            <a:schemeClr val="lt1"/>
+          </a:fontRef>
+        </p:style>
+        <p:txBody>
+          <a:bodyPr rtlCol="0" anchor="ctr"/>
+          <a:p>
+            <a:pPr algn="ctr"/>
+            <a:r>
+              <a:rPr lang="en-US" altLang="en-US" sz="1200" b="1">
+                <a:solidFill>
+                  <a:srgbClr val="2C3E50"/>
+                </a:solidFill>
+              </a:rPr>
+              <a:t>memory</a:t>
+            </a:r>
+            <a:endParaRPr lang="en-US" altLang="en-US" sz="1200" b="1">
+              <a:solidFill>
+                <a:srgbClr val="2C3E50"/>
+              </a:solidFill>
+            </a:endParaRPr>
+          </a:p>
+        </p:txBody>
+      </p:sp>
+      <p:sp>
+        <p:nvSpPr>
           <p:cNvPr id="2" name="文本框 1"/>
           <p:cNvSpPr txBox="true"/>
           <p:nvPr/>
@@ -33271,7 +32686,7 @@
         <p:spPr>
           <a:xfrm>
             <a:off x="805815" y="430530"/>
-            <a:ext cx="2814955" cy="368300"/>
+            <a:ext cx="1205865" cy="368300"/>
           </a:xfrm>
           <a:prstGeom prst="rect">
             <a:avLst/>
@@ -33305,7 +32720,7 @@
                   <a:srgbClr val="2C3E50"/>
                 </a:solidFill>
               </a:rPr>
-              <a:t>三大问题与解决方法</a:t>
+              <a:t>框架</a:t>
             </a:r>
             <a:endParaRPr lang="zh-CN" altLang="en-US" b="1">
               <a:solidFill>
@@ -33317,58 +32732,63 @@
       </p:sp>
       <p:sp>
         <p:nvSpPr>
-          <p:cNvPr id="3" name="文本框 2"/>
-          <p:cNvSpPr txBox="true"/>
+          <p:cNvPr id="3" name="矩形 2"/>
+          <p:cNvSpPr/>
           <p:nvPr/>
         </p:nvSpPr>
         <p:spPr>
           <a:xfrm>
-            <a:off x="595630" y="1123950"/>
-            <a:ext cx="2369185" cy="275590"/>
+            <a:off x="8753475" y="5601970"/>
+            <a:ext cx="1310640" cy="599440"/>
           </a:xfrm>
           <a:prstGeom prst="rect">
             <a:avLst/>
           </a:prstGeom>
           <a:noFill/>
-        </p:spPr>
+          <a:ln w="28575">
+            <a:solidFill>
+              <a:srgbClr val="2C3E50"/>
+            </a:solidFill>
+          </a:ln>
+          <a:extLst>
+            <a:ext uri="{909E8E84-426E-40DD-AFC4-6F175D3DCCD1}">
+              <a14:hiddenFill xmlns:a14="http://schemas.microsoft.com/office/drawing/2010/main">
+                <a:solidFill>
+                  <a:schemeClr val="accent1"/>
+                </a:solidFill>
+              </a14:hiddenFill>
+            </a:ext>
+          </a:extLst>
+        </p:spPr>
+        <p:style>
+          <a:lnRef idx="2">
+            <a:schemeClr val="accent1">
+              <a:shade val="50000"/>
+            </a:schemeClr>
+          </a:lnRef>
+          <a:fillRef idx="1">
+            <a:schemeClr val="accent1"/>
+          </a:fillRef>
+          <a:effectRef idx="0">
+            <a:schemeClr val="accent1"/>
+          </a:effectRef>
+          <a:fontRef idx="minor">
+            <a:schemeClr val="lt1"/>
+          </a:fontRef>
+        </p:style>
         <p:txBody>
-          <a:bodyPr wrap="none" rtlCol="0">
-            <a:spAutoFit/>
-          </a:bodyPr>
+          <a:bodyPr rtlCol="0" anchor="ctr"/>
           <a:p>
+            <a:pPr algn="ctr"/>
             <a:r>
-              <a:rPr lang="en-US" altLang="zh-CN" sz="1200" b="1">
+              <a:rPr lang="en-US" altLang="en-US" sz="1200" b="1">
                 <a:solidFill>
                   <a:srgbClr val="2C3E50"/>
                 </a:solidFill>
               </a:rPr>
-              <a:t>1.</a:t>
+              <a:t>cpu</a:t>
             </a:r>
-            <a:r>
-              <a:rPr lang="zh-CN" altLang="en-US" sz="1200" b="1">
-                <a:solidFill>
-                  <a:srgbClr val="2C3E50"/>
-                </a:solidFill>
-              </a:rPr>
-              <a:t>驱动程序对</a:t>
-            </a:r>
-            <a:r>
-              <a:rPr lang="en-US" altLang="zh-CN" sz="1200" b="1">
-                <a:solidFill>
-                  <a:srgbClr val="2C3E50"/>
-                </a:solidFill>
-              </a:rPr>
-              <a:t>IO</a:t>
-            </a:r>
-            <a:r>
-              <a:rPr lang="zh-CN" altLang="en-US" sz="1200" b="1">
-                <a:solidFill>
-                  <a:srgbClr val="2C3E50"/>
-                </a:solidFill>
-              </a:rPr>
-              <a:t>地址空间的访问</a:t>
-            </a:r>
-            <a:endParaRPr lang="zh-CN" altLang="en-US" sz="1200" b="1">
+            <a:endParaRPr lang="en-US" altLang="en-US" sz="1200" b="1">
               <a:solidFill>
                 <a:srgbClr val="2C3E50"/>
               </a:solidFill>
@@ -33378,58 +32798,63 @@
       </p:sp>
       <p:sp>
         <p:nvSpPr>
-          <p:cNvPr id="4" name="文本框 3"/>
-          <p:cNvSpPr txBox="true"/>
+          <p:cNvPr id="4" name="矩形 3"/>
+          <p:cNvSpPr/>
           <p:nvPr/>
         </p:nvSpPr>
         <p:spPr>
           <a:xfrm>
-            <a:off x="595630" y="2443480"/>
-            <a:ext cx="2579370" cy="275590"/>
+            <a:off x="3392805" y="4483100"/>
+            <a:ext cx="1169670" cy="456565"/>
           </a:xfrm>
           <a:prstGeom prst="rect">
             <a:avLst/>
           </a:prstGeom>
           <a:noFill/>
-        </p:spPr>
+          <a:ln w="28575">
+            <a:solidFill>
+              <a:srgbClr val="2C3E50"/>
+            </a:solidFill>
+          </a:ln>
+          <a:extLst>
+            <a:ext uri="{909E8E84-426E-40DD-AFC4-6F175D3DCCD1}">
+              <a14:hiddenFill xmlns:a14="http://schemas.microsoft.com/office/drawing/2010/main">
+                <a:solidFill>
+                  <a:schemeClr val="accent1"/>
+                </a:solidFill>
+              </a14:hiddenFill>
+            </a:ext>
+          </a:extLst>
+        </p:spPr>
+        <p:style>
+          <a:lnRef idx="2">
+            <a:schemeClr val="accent1">
+              <a:shade val="50000"/>
+            </a:schemeClr>
+          </a:lnRef>
+          <a:fillRef idx="1">
+            <a:schemeClr val="accent1"/>
+          </a:fillRef>
+          <a:effectRef idx="0">
+            <a:schemeClr val="accent1"/>
+          </a:effectRef>
+          <a:fontRef idx="minor">
+            <a:schemeClr val="lt1"/>
+          </a:fontRef>
+        </p:style>
         <p:txBody>
-          <a:bodyPr wrap="none" rtlCol="0">
-            <a:spAutoFit/>
-          </a:bodyPr>
+          <a:bodyPr rtlCol="0" anchor="ctr"/>
           <a:p>
+            <a:pPr algn="ctr"/>
             <a:r>
-              <a:rPr lang="en-US" altLang="zh-CN" sz="1200" b="1">
+              <a:rPr lang="en-US" altLang="en-US" sz="1200" b="1">
                 <a:solidFill>
                   <a:srgbClr val="2C3E50"/>
                 </a:solidFill>
               </a:rPr>
-              <a:t>2.</a:t>
+              <a:t>Interrupt Remaping</a:t>
             </a:r>
-            <a:r>
-              <a:rPr lang="zh-CN" altLang="en-US" sz="1200" b="1">
-                <a:solidFill>
-                  <a:srgbClr val="2C3E50"/>
-                </a:solidFill>
-              </a:rPr>
-              <a:t>设备通过</a:t>
-            </a:r>
-            <a:r>
-              <a:rPr lang="en-US" altLang="zh-CN" sz="1200" b="1">
-                <a:solidFill>
-                  <a:srgbClr val="2C3E50"/>
-                </a:solidFill>
-              </a:rPr>
-              <a:t>DMA</a:t>
-            </a:r>
-            <a:r>
-              <a:rPr lang="zh-CN" altLang="en-US" sz="1200" b="1">
-                <a:solidFill>
-                  <a:srgbClr val="2C3E50"/>
-                </a:solidFill>
-              </a:rPr>
-              <a:t>对外设数据的访问</a:t>
-            </a:r>
-            <a:endParaRPr lang="zh-CN" altLang="en-US" sz="1200" b="1">
+            <a:endParaRPr lang="en-US" altLang="en-US" sz="1200" b="1">
               <a:solidFill>
                 <a:srgbClr val="2C3E50"/>
               </a:solidFill>
@@ -33445,8 +32870,8 @@
         </p:nvSpPr>
         <p:spPr>
           <a:xfrm>
-            <a:off x="595630" y="3189605"/>
-            <a:ext cx="652780" cy="275590"/>
+            <a:off x="1899920" y="1322070"/>
+            <a:ext cx="692150" cy="275590"/>
           </a:xfrm>
           <a:prstGeom prst="rect">
             <a:avLst/>
@@ -33464,17 +32889,9 @@
                   <a:srgbClr val="2C3E50"/>
                 </a:solidFill>
               </a:rPr>
-              <a:t>3.</a:t>
+              <a:t>QEMU</a:t>
             </a:r>
-            <a:r>
-              <a:rPr lang="zh-CN" altLang="en-US" sz="1200" b="1">
-                <a:solidFill>
-                  <a:srgbClr val="2C3E50"/>
-                </a:solidFill>
-              </a:rPr>
-              <a:t>中断</a:t>
-            </a:r>
-            <a:endParaRPr lang="zh-CN" altLang="en-US" sz="1200" b="1">
+            <a:endParaRPr lang="en-US" altLang="zh-CN" sz="1200" b="1">
               <a:solidFill>
                 <a:srgbClr val="2C3E50"/>
               </a:solidFill>
@@ -33490,8 +32907,8 @@
         </p:nvSpPr>
         <p:spPr>
           <a:xfrm>
-            <a:off x="889000" y="2795270"/>
-            <a:ext cx="1524000" cy="245110"/>
+            <a:off x="5843905" y="1690370"/>
+            <a:ext cx="1042670" cy="275590"/>
           </a:xfrm>
           <a:prstGeom prst="rect">
             <a:avLst/>
@@ -33504,30 +32921,14 @@
           </a:bodyPr>
           <a:p>
             <a:r>
-              <a:rPr lang="en-US" altLang="zh-CN" sz="1000" b="1">
+              <a:rPr lang="en-US" altLang="zh-CN" sz="1200" b="1">
                 <a:solidFill>
                   <a:srgbClr val="2C3E50"/>
                 </a:solidFill>
               </a:rPr>
-              <a:t>VT-d</a:t>
+              <a:t>GUEST OS</a:t>
             </a:r>
-            <a:r>
-              <a:rPr lang="en-US" altLang="en-US" sz="1000" b="1">
-                <a:solidFill>
-                  <a:srgbClr val="2C3E50"/>
-                </a:solidFill>
-              </a:rPr>
-              <a:t> DMA</a:t>
-            </a:r>
-            <a:r>
-              <a:rPr lang="zh-CN" altLang="en-US" sz="1000" b="1">
-                <a:solidFill>
-                  <a:srgbClr val="2C3E50"/>
-                </a:solidFill>
-              </a:rPr>
-              <a:t>重映射技术</a:t>
-            </a:r>
-            <a:endParaRPr lang="zh-CN" altLang="en-US" sz="1000" b="1">
+            <a:endParaRPr lang="en-US" altLang="zh-CN" sz="1200" b="1">
               <a:solidFill>
                 <a:srgbClr val="2C3E50"/>
               </a:solidFill>
@@ -33543,8 +32944,8 @@
         </p:nvSpPr>
         <p:spPr>
           <a:xfrm>
-            <a:off x="889000" y="3549650"/>
-            <a:ext cx="948690" cy="245110"/>
+            <a:off x="8223250" y="3908425"/>
+            <a:ext cx="1421765" cy="275590"/>
           </a:xfrm>
           <a:prstGeom prst="rect">
             <a:avLst/>
@@ -33557,22 +32958,14 @@
           </a:bodyPr>
           <a:p>
             <a:r>
-              <a:rPr lang="zh-CN" sz="1000" b="1">
+              <a:rPr lang="en-US" altLang="zh-CN" sz="1200" b="1">
                 <a:solidFill>
                   <a:srgbClr val="2C3E50"/>
                 </a:solidFill>
               </a:rPr>
-              <a:t>中断注入</a:t>
+              <a:t>VMM HOST OS</a:t>
             </a:r>
-            <a:r>
-              <a:rPr lang="zh-CN" altLang="en-US" sz="1000" b="1">
-                <a:solidFill>
-                  <a:srgbClr val="2C3E50"/>
-                </a:solidFill>
-              </a:rPr>
-              <a:t>技术</a:t>
-            </a:r>
-            <a:endParaRPr lang="zh-CN" altLang="en-US" sz="1000" b="1">
+            <a:endParaRPr lang="en-US" altLang="zh-CN" sz="1200" b="1">
               <a:solidFill>
                 <a:srgbClr val="2C3E50"/>
               </a:solidFill>
@@ -33582,130 +32975,63 @@
       </p:sp>
       <p:sp>
         <p:nvSpPr>
-          <p:cNvPr id="8" name="文本框 7"/>
-          <p:cNvSpPr txBox="true"/>
+          <p:cNvPr id="8" name="矩形 7"/>
+          <p:cNvSpPr/>
           <p:nvPr/>
         </p:nvSpPr>
         <p:spPr>
           <a:xfrm>
-            <a:off x="889000" y="1605915"/>
-            <a:ext cx="6598920" cy="245110"/>
+            <a:off x="4819650" y="5734050"/>
+            <a:ext cx="1078230" cy="598805"/>
           </a:xfrm>
           <a:prstGeom prst="rect">
             <a:avLst/>
           </a:prstGeom>
           <a:noFill/>
-        </p:spPr>
+          <a:ln w="28575">
+            <a:solidFill>
+              <a:srgbClr val="2C3E50"/>
+            </a:solidFill>
+          </a:ln>
+          <a:extLst>
+            <a:ext uri="{909E8E84-426E-40DD-AFC4-6F175D3DCCD1}">
+              <a14:hiddenFill xmlns:a14="http://schemas.microsoft.com/office/drawing/2010/main">
+                <a:solidFill>
+                  <a:schemeClr val="accent1"/>
+                </a:solidFill>
+              </a14:hiddenFill>
+            </a:ext>
+          </a:extLst>
+        </p:spPr>
+        <p:style>
+          <a:lnRef idx="2">
+            <a:schemeClr val="accent1">
+              <a:shade val="50000"/>
+            </a:schemeClr>
+          </a:lnRef>
+          <a:fillRef idx="1">
+            <a:schemeClr val="accent1"/>
+          </a:fillRef>
+          <a:effectRef idx="0">
+            <a:schemeClr val="accent1"/>
+          </a:effectRef>
+          <a:fontRef idx="minor">
+            <a:schemeClr val="lt1"/>
+          </a:fontRef>
+        </p:style>
         <p:txBody>
-          <a:bodyPr wrap="none" rtlCol="0">
-            <a:spAutoFit/>
-          </a:bodyPr>
+          <a:bodyPr rtlCol="0" anchor="ctr"/>
           <a:p>
+            <a:pPr algn="ctr"/>
             <a:r>
-              <a:rPr lang="zh-CN" altLang="en-US" sz="1000" b="1">
+              <a:rPr lang="en-US" altLang="en-US" sz="1200" b="1">
                 <a:solidFill>
                   <a:srgbClr val="2C3E50"/>
                 </a:solidFill>
               </a:rPr>
-              <a:t>方式一：报告真实的</a:t>
+              <a:t>DMA</a:t>
             </a:r>
-            <a:r>
-              <a:rPr lang="en-US" altLang="zh-CN" sz="1000" b="1">
-                <a:solidFill>
-                  <a:srgbClr val="2C3E50"/>
-                </a:solidFill>
-              </a:rPr>
-              <a:t>PCI BAR</a:t>
-            </a:r>
-            <a:r>
-              <a:rPr lang="zh-CN" altLang="en-US" sz="1000" b="1">
-                <a:solidFill>
-                  <a:srgbClr val="2C3E50"/>
-                </a:solidFill>
-              </a:rPr>
-              <a:t>给客户机，通过</a:t>
-            </a:r>
-            <a:r>
-              <a:rPr lang="en-US" altLang="zh-CN" sz="1000" b="1">
-                <a:solidFill>
-                  <a:srgbClr val="2C3E50"/>
-                </a:solidFill>
-              </a:rPr>
-              <a:t>VMCS</a:t>
-            </a:r>
-            <a:r>
-              <a:rPr lang="zh-CN" altLang="en-US" sz="1000" b="1">
-                <a:solidFill>
-                  <a:srgbClr val="2C3E50"/>
-                </a:solidFill>
-              </a:rPr>
-              <a:t>的</a:t>
-            </a:r>
-            <a:r>
-              <a:rPr lang="en-US" altLang="zh-CN" sz="1000" b="1">
-                <a:solidFill>
-                  <a:srgbClr val="2C3E50"/>
-                </a:solidFill>
-              </a:rPr>
-              <a:t>IO </a:t>
-            </a:r>
-            <a:r>
-              <a:rPr lang="en-US" altLang="en-US" sz="1000" b="1">
-                <a:solidFill>
-                  <a:srgbClr val="2C3E50"/>
-                </a:solidFill>
-              </a:rPr>
-              <a:t>bitmap</a:t>
-            </a:r>
-            <a:r>
-              <a:rPr lang="zh-CN" altLang="en-US" sz="1000" b="1">
-                <a:solidFill>
-                  <a:srgbClr val="2C3E50"/>
-                </a:solidFill>
-              </a:rPr>
-              <a:t>来控制对</a:t>
-            </a:r>
-            <a:r>
-              <a:rPr lang="en-US" altLang="zh-CN" sz="1000" b="1">
-                <a:solidFill>
-                  <a:srgbClr val="2C3E50"/>
-                </a:solidFill>
-              </a:rPr>
-              <a:t>IO </a:t>
-            </a:r>
-            <a:r>
-              <a:rPr lang="zh-CN" altLang="en-US" sz="1000" b="1">
-                <a:solidFill>
-                  <a:srgbClr val="2C3E50"/>
-                </a:solidFill>
-              </a:rPr>
-              <a:t>和</a:t>
-            </a:r>
-            <a:r>
-              <a:rPr lang="en-US" altLang="zh-CN" sz="1000" b="1">
-                <a:solidFill>
-                  <a:srgbClr val="2C3E50"/>
-                </a:solidFill>
-              </a:rPr>
-              <a:t>MMIO</a:t>
-            </a:r>
-            <a:r>
-              <a:rPr lang="zh-CN" altLang="en-US" sz="1000" b="1">
-                <a:solidFill>
-                  <a:srgbClr val="2C3E50"/>
-                </a:solidFill>
-              </a:rPr>
-              <a:t>访问均不引起</a:t>
-            </a:r>
-            <a:r>
-              <a:rPr lang="en-US" altLang="zh-CN" sz="1000" b="1">
-                <a:solidFill>
-                  <a:srgbClr val="2C3E50"/>
-                </a:solidFill>
-              </a:rPr>
-              <a:t>VM-Exit</a:t>
-            </a:r>
-            <a:endParaRPr lang="en-US" altLang="zh-CN" sz="1000" b="1">
+            <a:endParaRPr lang="en-US" altLang="en-US" sz="1200" b="1">
               <a:solidFill>
                 <a:srgbClr val="2C3E50"/>
               </a:solidFill>
@@ -33715,130 +33041,63 @@
       </p:sp>
       <p:sp>
         <p:nvSpPr>
-          <p:cNvPr id="9" name="文本框 8"/>
-          <p:cNvSpPr txBox="true"/>
+          <p:cNvPr id="9" name="矩形 8"/>
+          <p:cNvSpPr/>
           <p:nvPr/>
         </p:nvSpPr>
         <p:spPr>
           <a:xfrm>
-            <a:off x="889000" y="2039620"/>
-            <a:ext cx="6314440" cy="245110"/>
+            <a:off x="2898140" y="5655945"/>
+            <a:ext cx="851535" cy="200660"/>
           </a:xfrm>
           <a:prstGeom prst="rect">
             <a:avLst/>
           </a:prstGeom>
           <a:noFill/>
-        </p:spPr>
+          <a:ln w="28575">
+            <a:solidFill>
+              <a:srgbClr val="2C3E50"/>
+            </a:solidFill>
+          </a:ln>
+          <a:extLst>
+            <a:ext uri="{909E8E84-426E-40DD-AFC4-6F175D3DCCD1}">
+              <a14:hiddenFill xmlns:a14="http://schemas.microsoft.com/office/drawing/2010/main">
+                <a:solidFill>
+                  <a:schemeClr val="accent1"/>
+                </a:solidFill>
+              </a14:hiddenFill>
+            </a:ext>
+          </a:extLst>
+        </p:spPr>
+        <p:style>
+          <a:lnRef idx="2">
+            <a:schemeClr val="accent1">
+              <a:shade val="50000"/>
+            </a:schemeClr>
+          </a:lnRef>
+          <a:fillRef idx="1">
+            <a:schemeClr val="accent1"/>
+          </a:fillRef>
+          <a:effectRef idx="0">
+            <a:schemeClr val="accent1"/>
+          </a:effectRef>
+          <a:fontRef idx="minor">
+            <a:schemeClr val="lt1"/>
+          </a:fontRef>
+        </p:style>
         <p:txBody>
-          <a:bodyPr wrap="none" rtlCol="0">
-            <a:spAutoFit/>
-          </a:bodyPr>
+          <a:bodyPr rtlCol="0" anchor="ctr"/>
           <a:p>
+            <a:pPr algn="ctr"/>
             <a:r>
-              <a:rPr lang="zh-CN" altLang="en-US" sz="1000" b="1">
+              <a:rPr lang="en-US" altLang="en-US" sz="1200" b="1">
                 <a:solidFill>
                   <a:srgbClr val="2C3E50"/>
                 </a:solidFill>
               </a:rPr>
-              <a:t>方式二：报告虚拟的</a:t>
+              <a:t>interrupt</a:t>
             </a:r>
-            <a:r>
-              <a:rPr lang="en-US" altLang="zh-CN" sz="1000" b="1">
-                <a:solidFill>
-                  <a:srgbClr val="2C3E50"/>
-                </a:solidFill>
-              </a:rPr>
-              <a:t>PCI BAR</a:t>
-            </a:r>
-            <a:r>
-              <a:rPr lang="zh-CN" altLang="en-US" sz="1000" b="1">
-                <a:solidFill>
-                  <a:srgbClr val="2C3E50"/>
-                </a:solidFill>
-              </a:rPr>
-              <a:t>给客户机，</a:t>
-            </a:r>
-            <a:r>
-              <a:rPr lang="en-US" altLang="zh-CN" sz="1000" b="1">
-                <a:solidFill>
-                  <a:srgbClr val="2C3E50"/>
-                </a:solidFill>
-              </a:rPr>
-              <a:t>VMM</a:t>
-            </a:r>
-            <a:r>
-              <a:rPr lang="zh-CN" altLang="en-US" sz="1000" b="1">
-                <a:solidFill>
-                  <a:srgbClr val="2C3E50"/>
-                </a:solidFill>
-              </a:rPr>
-              <a:t>捕获</a:t>
-            </a:r>
-            <a:r>
-              <a:rPr lang="en-US" altLang="zh-CN" sz="1000" b="1">
-                <a:solidFill>
-                  <a:srgbClr val="2C3E50"/>
-                </a:solidFill>
-              </a:rPr>
-              <a:t>IO</a:t>
-            </a:r>
-            <a:r>
-              <a:rPr lang="zh-CN" altLang="en-US" sz="1000" b="1">
-                <a:solidFill>
-                  <a:srgbClr val="2C3E50"/>
-                </a:solidFill>
-              </a:rPr>
-              <a:t>和</a:t>
-            </a:r>
-            <a:r>
-              <a:rPr lang="en-US" altLang="zh-CN" sz="1000" b="1">
-                <a:solidFill>
-                  <a:srgbClr val="2C3E50"/>
-                </a:solidFill>
-              </a:rPr>
-              <a:t>MMIO</a:t>
-            </a:r>
-            <a:r>
-              <a:rPr lang="zh-CN" altLang="en-US" sz="1000" b="1">
-                <a:solidFill>
-                  <a:srgbClr val="2C3E50"/>
-                </a:solidFill>
-              </a:rPr>
-              <a:t>操作，通过</a:t>
-            </a:r>
-            <a:r>
-              <a:rPr lang="en-US" altLang="zh-CN" sz="1000" b="1">
-                <a:solidFill>
-                  <a:srgbClr val="2C3E50"/>
-                </a:solidFill>
-              </a:rPr>
-              <a:t>IO</a:t>
-            </a:r>
-            <a:r>
-              <a:rPr lang="zh-CN" altLang="en-US" sz="1000" b="1">
-                <a:solidFill>
-                  <a:srgbClr val="2C3E50"/>
-                </a:solidFill>
-              </a:rPr>
-              <a:t>转表和</a:t>
-            </a:r>
-            <a:r>
-              <a:rPr lang="en-US" altLang="zh-CN" sz="1000" b="1">
-                <a:solidFill>
-                  <a:srgbClr val="2C3E50"/>
-                </a:solidFill>
-              </a:rPr>
-              <a:t>MMIO</a:t>
-            </a:r>
-            <a:r>
-              <a:rPr lang="zh-CN" altLang="en-US" sz="1000" b="1">
-                <a:solidFill>
-                  <a:srgbClr val="2C3E50"/>
-                </a:solidFill>
-              </a:rPr>
-              <a:t>转换表进行转换</a:t>
-            </a:r>
-            <a:endParaRPr lang="zh-CN" altLang="en-US" sz="1000" b="1">
+            <a:endParaRPr lang="en-US" altLang="en-US" sz="1200" b="1">
               <a:solidFill>
                 <a:srgbClr val="2C3E50"/>
               </a:solidFill>
@@ -33846,6 +33105,748 @@
           </a:p>
         </p:txBody>
       </p:sp>
+      <p:sp>
+        <p:nvSpPr>
+          <p:cNvPr id="10" name="矩形 9"/>
+          <p:cNvSpPr/>
+          <p:nvPr/>
+        </p:nvSpPr>
+        <p:spPr>
+          <a:xfrm>
+            <a:off x="2898140" y="5932805"/>
+            <a:ext cx="866140" cy="200660"/>
+          </a:xfrm>
+          <a:prstGeom prst="rect">
+            <a:avLst/>
+          </a:prstGeom>
+          <a:noFill/>
+          <a:ln w="28575">
+            <a:solidFill>
+              <a:srgbClr val="2C3E50"/>
+            </a:solidFill>
+          </a:ln>
+          <a:extLst>
+            <a:ext uri="{909E8E84-426E-40DD-AFC4-6F175D3DCCD1}">
+              <a14:hiddenFill xmlns:a14="http://schemas.microsoft.com/office/drawing/2010/main">
+                <a:solidFill>
+                  <a:schemeClr val="accent1"/>
+                </a:solidFill>
+              </a14:hiddenFill>
+            </a:ext>
+          </a:extLst>
+        </p:spPr>
+        <p:style>
+          <a:lnRef idx="2">
+            <a:schemeClr val="accent1">
+              <a:shade val="50000"/>
+            </a:schemeClr>
+          </a:lnRef>
+          <a:fillRef idx="1">
+            <a:schemeClr val="accent1"/>
+          </a:fillRef>
+          <a:effectRef idx="0">
+            <a:schemeClr val="accent1"/>
+          </a:effectRef>
+          <a:fontRef idx="minor">
+            <a:schemeClr val="lt1"/>
+          </a:fontRef>
+        </p:style>
+        <p:txBody>
+          <a:bodyPr rtlCol="0" anchor="ctr"/>
+          <a:p>
+            <a:pPr algn="ctr"/>
+            <a:r>
+              <a:rPr lang="en-US" altLang="en-US" sz="1200" b="1">
+                <a:solidFill>
+                  <a:srgbClr val="2C3E50"/>
+                </a:solidFill>
+              </a:rPr>
+              <a:t>MMIO</a:t>
+            </a:r>
+            <a:endParaRPr lang="en-US" altLang="en-US" sz="1200" b="1">
+              <a:solidFill>
+                <a:srgbClr val="2C3E50"/>
+              </a:solidFill>
+            </a:endParaRPr>
+          </a:p>
+        </p:txBody>
+      </p:sp>
+      <p:sp>
+        <p:nvSpPr>
+          <p:cNvPr id="11" name="矩形 10"/>
+          <p:cNvSpPr/>
+          <p:nvPr/>
+        </p:nvSpPr>
+        <p:spPr>
+          <a:xfrm>
+            <a:off x="7542530" y="4277360"/>
+            <a:ext cx="1116965" cy="782955"/>
+          </a:xfrm>
+          <a:prstGeom prst="rect">
+            <a:avLst/>
+          </a:prstGeom>
+          <a:noFill/>
+          <a:ln w="28575">
+            <a:solidFill>
+              <a:srgbClr val="2C3E50"/>
+            </a:solidFill>
+          </a:ln>
+          <a:extLst>
+            <a:ext uri="{909E8E84-426E-40DD-AFC4-6F175D3DCCD1}">
+              <a14:hiddenFill xmlns:a14="http://schemas.microsoft.com/office/drawing/2010/main">
+                <a:solidFill>
+                  <a:schemeClr val="accent1"/>
+                </a:solidFill>
+              </a14:hiddenFill>
+            </a:ext>
+          </a:extLst>
+        </p:spPr>
+        <p:style>
+          <a:lnRef idx="2">
+            <a:schemeClr val="accent1">
+              <a:shade val="50000"/>
+            </a:schemeClr>
+          </a:lnRef>
+          <a:fillRef idx="1">
+            <a:schemeClr val="accent1"/>
+          </a:fillRef>
+          <a:effectRef idx="0">
+            <a:schemeClr val="accent1"/>
+          </a:effectRef>
+          <a:fontRef idx="minor">
+            <a:schemeClr val="lt1"/>
+          </a:fontRef>
+        </p:style>
+        <p:txBody>
+          <a:bodyPr rtlCol="0" anchor="ctr"/>
+          <a:p>
+            <a:pPr algn="ctr"/>
+            <a:r>
+              <a:rPr lang="en-US" altLang="en-US" sz="1200" b="1">
+                <a:solidFill>
+                  <a:srgbClr val="2C3E50"/>
+                </a:solidFill>
+              </a:rPr>
+              <a:t>EPT</a:t>
+            </a:r>
+            <a:endParaRPr lang="en-US" altLang="en-US" sz="1200" b="1">
+              <a:solidFill>
+                <a:srgbClr val="2C3E50"/>
+              </a:solidFill>
+            </a:endParaRPr>
+          </a:p>
+        </p:txBody>
+      </p:sp>
+      <p:sp>
+        <p:nvSpPr>
+          <p:cNvPr id="12" name="矩形 11"/>
+          <p:cNvSpPr/>
+          <p:nvPr/>
+        </p:nvSpPr>
+        <p:spPr>
+          <a:xfrm>
+            <a:off x="3330575" y="4276090"/>
+            <a:ext cx="2651125" cy="784225"/>
+          </a:xfrm>
+          <a:prstGeom prst="rect">
+            <a:avLst/>
+          </a:prstGeom>
+          <a:noFill/>
+          <a:ln w="28575">
+            <a:solidFill>
+              <a:srgbClr val="2C3E50"/>
+            </a:solidFill>
+          </a:ln>
+          <a:extLst>
+            <a:ext uri="{909E8E84-426E-40DD-AFC4-6F175D3DCCD1}">
+              <a14:hiddenFill xmlns:a14="http://schemas.microsoft.com/office/drawing/2010/main">
+                <a:solidFill>
+                  <a:schemeClr val="accent1"/>
+                </a:solidFill>
+              </a14:hiddenFill>
+            </a:ext>
+          </a:extLst>
+        </p:spPr>
+        <p:style>
+          <a:lnRef idx="2">
+            <a:schemeClr val="accent1">
+              <a:shade val="50000"/>
+            </a:schemeClr>
+          </a:lnRef>
+          <a:fillRef idx="1">
+            <a:schemeClr val="accent1"/>
+          </a:fillRef>
+          <a:effectRef idx="0">
+            <a:schemeClr val="accent1"/>
+          </a:effectRef>
+          <a:fontRef idx="minor">
+            <a:schemeClr val="lt1"/>
+          </a:fontRef>
+        </p:style>
+        <p:txBody>
+          <a:bodyPr rtlCol="0" anchor="ctr"/>
+          <a:p>
+            <a:pPr algn="ctr"/>
+            <a:r>
+              <a:rPr lang="en-US" altLang="en-US" sz="1200" b="1">
+                <a:solidFill>
+                  <a:srgbClr val="2C3E50"/>
+                </a:solidFill>
+              </a:rPr>
+              <a:t>VT-d</a:t>
+            </a:r>
+            <a:endParaRPr lang="en-US" altLang="en-US" sz="1200" b="1">
+              <a:solidFill>
+                <a:srgbClr val="2C3E50"/>
+              </a:solidFill>
+            </a:endParaRPr>
+          </a:p>
+          <a:p>
+            <a:pPr algn="ctr"/>
+            <a:endParaRPr lang="en-US" altLang="en-US" sz="1200" b="1">
+              <a:solidFill>
+                <a:srgbClr val="2C3E50"/>
+              </a:solidFill>
+            </a:endParaRPr>
+          </a:p>
+          <a:p>
+            <a:pPr algn="ctr"/>
+            <a:endParaRPr lang="en-US" altLang="en-US" sz="1200" b="1">
+              <a:solidFill>
+                <a:srgbClr val="2C3E50"/>
+              </a:solidFill>
+            </a:endParaRPr>
+          </a:p>
+          <a:p>
+            <a:pPr algn="ctr"/>
+            <a:endParaRPr lang="en-US" altLang="en-US" sz="1200" b="1">
+              <a:solidFill>
+                <a:srgbClr val="2C3E50"/>
+              </a:solidFill>
+            </a:endParaRPr>
+          </a:p>
+        </p:txBody>
+      </p:sp>
+      <p:sp>
+        <p:nvSpPr>
+          <p:cNvPr id="13" name="矩形 12"/>
+          <p:cNvSpPr/>
+          <p:nvPr/>
+        </p:nvSpPr>
+        <p:spPr>
+          <a:xfrm>
+            <a:off x="2169795" y="1799590"/>
+            <a:ext cx="1456055" cy="649605"/>
+          </a:xfrm>
+          <a:prstGeom prst="rect">
+            <a:avLst/>
+          </a:prstGeom>
+          <a:noFill/>
+          <a:ln w="28575">
+            <a:solidFill>
+              <a:srgbClr val="2C3E50"/>
+            </a:solidFill>
+          </a:ln>
+          <a:extLst>
+            <a:ext uri="{909E8E84-426E-40DD-AFC4-6F175D3DCCD1}">
+              <a14:hiddenFill xmlns:a14="http://schemas.microsoft.com/office/drawing/2010/main">
+                <a:solidFill>
+                  <a:schemeClr val="accent1"/>
+                </a:solidFill>
+              </a14:hiddenFill>
+            </a:ext>
+          </a:extLst>
+        </p:spPr>
+        <p:style>
+          <a:lnRef idx="2">
+            <a:schemeClr val="accent1">
+              <a:shade val="50000"/>
+            </a:schemeClr>
+          </a:lnRef>
+          <a:fillRef idx="1">
+            <a:schemeClr val="accent1"/>
+          </a:fillRef>
+          <a:effectRef idx="0">
+            <a:schemeClr val="accent1"/>
+          </a:effectRef>
+          <a:fontRef idx="minor">
+            <a:schemeClr val="lt1"/>
+          </a:fontRef>
+        </p:style>
+        <p:txBody>
+          <a:bodyPr rtlCol="0" anchor="ctr"/>
+          <a:p>
+            <a:pPr algn="ctr"/>
+            <a:r>
+              <a:rPr lang="en-US" altLang="en-US" sz="1200" b="1">
+                <a:solidFill>
+                  <a:srgbClr val="2C3E50"/>
+                </a:solidFill>
+              </a:rPr>
+              <a:t>controlor</a:t>
+            </a:r>
+            <a:endParaRPr lang="en-US" altLang="en-US" sz="1200" b="1">
+              <a:solidFill>
+                <a:srgbClr val="2C3E50"/>
+              </a:solidFill>
+            </a:endParaRPr>
+          </a:p>
+        </p:txBody>
+      </p:sp>
+      <p:cxnSp>
+        <p:nvCxnSpPr>
+          <p:cNvPr id="14" name="肘形连接符 13"/>
+          <p:cNvCxnSpPr>
+            <a:stCxn id="13" idx="2"/>
+            <a:endCxn id="40" idx="0"/>
+          </p:cNvCxnSpPr>
+          <p:nvPr/>
+        </p:nvCxnSpPr>
+        <p:spPr>
+          <a:xfrm rot="5400000">
+            <a:off x="1793558" y="3172143"/>
+            <a:ext cx="1827530" cy="381635"/>
+          </a:xfrm>
+          <a:prstGeom prst="bentConnector3">
+            <a:avLst>
+              <a:gd name="adj1" fmla="val 49983"/>
+            </a:avLst>
+          </a:prstGeom>
+          <a:ln w="38100">
+            <a:solidFill>
+              <a:srgbClr val="3EAF7C"/>
+            </a:solidFill>
+            <a:headEnd type="arrow"/>
+            <a:tailEnd type="arrow"/>
+          </a:ln>
+        </p:spPr>
+        <p:style>
+          <a:lnRef idx="1">
+            <a:schemeClr val="accent1"/>
+          </a:lnRef>
+          <a:fillRef idx="0">
+            <a:schemeClr val="accent1"/>
+          </a:fillRef>
+          <a:effectRef idx="0">
+            <a:schemeClr val="accent1"/>
+          </a:effectRef>
+          <a:fontRef idx="minor">
+            <a:schemeClr val="tx1"/>
+          </a:fontRef>
+        </p:style>
+      </p:cxnSp>
+      <p:cxnSp>
+        <p:nvCxnSpPr>
+          <p:cNvPr id="15" name="肘形连接符 14"/>
+          <p:cNvCxnSpPr>
+            <a:stCxn id="40" idx="2"/>
+            <a:endCxn id="38" idx="0"/>
+          </p:cNvCxnSpPr>
+          <p:nvPr/>
+        </p:nvCxnSpPr>
+        <p:spPr>
+          <a:xfrm rot="5400000" flipV="true">
+            <a:off x="2409825" y="5166995"/>
+            <a:ext cx="541655" cy="327660"/>
+          </a:xfrm>
+          <a:prstGeom prst="bentConnector3">
+            <a:avLst>
+              <a:gd name="adj1" fmla="val 50000"/>
+            </a:avLst>
+          </a:prstGeom>
+          <a:ln w="38100">
+            <a:solidFill>
+              <a:srgbClr val="3EAF7C"/>
+            </a:solidFill>
+            <a:headEnd type="arrow"/>
+            <a:tailEnd type="arrow"/>
+          </a:ln>
+        </p:spPr>
+        <p:style>
+          <a:lnRef idx="1">
+            <a:schemeClr val="accent1"/>
+          </a:lnRef>
+          <a:fillRef idx="0">
+            <a:schemeClr val="accent1"/>
+          </a:fillRef>
+          <a:effectRef idx="0">
+            <a:schemeClr val="accent1"/>
+          </a:effectRef>
+          <a:fontRef idx="minor">
+            <a:schemeClr val="tx1"/>
+          </a:fontRef>
+        </p:style>
+      </p:cxnSp>
+      <p:cxnSp>
+        <p:nvCxnSpPr>
+          <p:cNvPr id="16" name="肘形连接符 15"/>
+          <p:cNvCxnSpPr>
+            <a:stCxn id="36" idx="1"/>
+            <a:endCxn id="4" idx="0"/>
+          </p:cNvCxnSpPr>
+          <p:nvPr/>
+        </p:nvCxnSpPr>
+        <p:spPr>
+          <a:xfrm rot="10800000" flipV="true">
+            <a:off x="3977005" y="2207260"/>
+            <a:ext cx="1697355" cy="2275840"/>
+          </a:xfrm>
+          <a:prstGeom prst="bentConnector2">
+            <a:avLst/>
+          </a:prstGeom>
+          <a:ln w="38100">
+            <a:solidFill>
+              <a:srgbClr val="CC0000"/>
+            </a:solidFill>
+            <a:headEnd type="arrow"/>
+            <a:tailEnd type="arrow"/>
+          </a:ln>
+        </p:spPr>
+        <p:style>
+          <a:lnRef idx="1">
+            <a:schemeClr val="accent1"/>
+          </a:lnRef>
+          <a:fillRef idx="0">
+            <a:schemeClr val="accent1"/>
+          </a:fillRef>
+          <a:effectRef idx="0">
+            <a:schemeClr val="accent1"/>
+          </a:effectRef>
+          <a:fontRef idx="minor">
+            <a:schemeClr val="tx1"/>
+          </a:fontRef>
+        </p:style>
+      </p:cxnSp>
+      <p:cxnSp>
+        <p:nvCxnSpPr>
+          <p:cNvPr id="17" name="肘形连接符 16"/>
+          <p:cNvCxnSpPr>
+            <a:stCxn id="4" idx="2"/>
+            <a:endCxn id="9" idx="3"/>
+          </p:cNvCxnSpPr>
+          <p:nvPr/>
+        </p:nvCxnSpPr>
+        <p:spPr>
+          <a:xfrm rot="5400000">
+            <a:off x="3455353" y="5233988"/>
+            <a:ext cx="816610" cy="227965"/>
+          </a:xfrm>
+          <a:prstGeom prst="bentConnector2">
+            <a:avLst/>
+          </a:prstGeom>
+          <a:ln w="38100">
+            <a:solidFill>
+              <a:srgbClr val="CC0000"/>
+            </a:solidFill>
+            <a:headEnd type="arrow"/>
+            <a:tailEnd type="arrow"/>
+          </a:ln>
+        </p:spPr>
+        <p:style>
+          <a:lnRef idx="1">
+            <a:schemeClr val="accent1"/>
+          </a:lnRef>
+          <a:fillRef idx="0">
+            <a:schemeClr val="accent1"/>
+          </a:fillRef>
+          <a:effectRef idx="0">
+            <a:schemeClr val="accent1"/>
+          </a:effectRef>
+          <a:fontRef idx="minor">
+            <a:schemeClr val="tx1"/>
+          </a:fontRef>
+        </p:style>
+      </p:cxnSp>
+      <p:cxnSp>
+        <p:nvCxnSpPr>
+          <p:cNvPr id="18" name="肘形连接符 17"/>
+          <p:cNvCxnSpPr>
+            <a:stCxn id="10" idx="3"/>
+            <a:endCxn id="8" idx="1"/>
+          </p:cNvCxnSpPr>
+          <p:nvPr/>
+        </p:nvCxnSpPr>
+        <p:spPr>
+          <a:xfrm>
+            <a:off x="3764280" y="6033135"/>
+            <a:ext cx="1055370" cy="635"/>
+          </a:xfrm>
+          <a:prstGeom prst="bentConnector3">
+            <a:avLst>
+              <a:gd name="adj1" fmla="val 50000"/>
+            </a:avLst>
+          </a:prstGeom>
+          <a:ln w="38100">
+            <a:solidFill>
+              <a:srgbClr val="7030A0"/>
+            </a:solidFill>
+            <a:headEnd type="arrow"/>
+            <a:tailEnd type="arrow"/>
+          </a:ln>
+        </p:spPr>
+        <p:style>
+          <a:lnRef idx="1">
+            <a:schemeClr val="accent1"/>
+          </a:lnRef>
+          <a:fillRef idx="0">
+            <a:schemeClr val="accent1"/>
+          </a:fillRef>
+          <a:effectRef idx="0">
+            <a:schemeClr val="accent1"/>
+          </a:effectRef>
+          <a:fontRef idx="minor">
+            <a:schemeClr val="tx1"/>
+          </a:fontRef>
+        </p:style>
+      </p:cxnSp>
+      <p:cxnSp>
+        <p:nvCxnSpPr>
+          <p:cNvPr id="19" name="肘形连接符 18"/>
+          <p:cNvCxnSpPr>
+            <a:stCxn id="42" idx="2"/>
+            <a:endCxn id="8" idx="0"/>
+          </p:cNvCxnSpPr>
+          <p:nvPr/>
+        </p:nvCxnSpPr>
+        <p:spPr>
+          <a:xfrm rot="5400000">
+            <a:off x="4961890" y="5336540"/>
+            <a:ext cx="794385" cy="635"/>
+          </a:xfrm>
+          <a:prstGeom prst="bentConnector3">
+            <a:avLst>
+              <a:gd name="adj1" fmla="val 50040"/>
+            </a:avLst>
+          </a:prstGeom>
+          <a:ln w="38100">
+            <a:solidFill>
+              <a:srgbClr val="7030A0"/>
+            </a:solidFill>
+            <a:headEnd type="arrow"/>
+            <a:tailEnd type="arrow"/>
+          </a:ln>
+        </p:spPr>
+        <p:style>
+          <a:lnRef idx="1">
+            <a:schemeClr val="accent1"/>
+          </a:lnRef>
+          <a:fillRef idx="0">
+            <a:schemeClr val="accent1"/>
+          </a:fillRef>
+          <a:effectRef idx="0">
+            <a:schemeClr val="accent1"/>
+          </a:effectRef>
+          <a:fontRef idx="minor">
+            <a:schemeClr val="tx1"/>
+          </a:fontRef>
+        </p:style>
+      </p:cxnSp>
+      <p:cxnSp>
+        <p:nvCxnSpPr>
+          <p:cNvPr id="20" name="肘形连接符 19"/>
+          <p:cNvCxnSpPr>
+            <a:stCxn id="8" idx="3"/>
+            <a:endCxn id="43" idx="1"/>
+          </p:cNvCxnSpPr>
+          <p:nvPr/>
+        </p:nvCxnSpPr>
+        <p:spPr>
+          <a:xfrm>
+            <a:off x="5897880" y="6033770"/>
+            <a:ext cx="581025" cy="1905"/>
+          </a:xfrm>
+          <a:prstGeom prst="bentConnector3">
+            <a:avLst>
+              <a:gd name="adj1" fmla="val 50055"/>
+            </a:avLst>
+          </a:prstGeom>
+          <a:ln w="38100">
+            <a:solidFill>
+              <a:srgbClr val="7030A0"/>
+            </a:solidFill>
+            <a:headEnd type="arrow"/>
+            <a:tailEnd type="arrow"/>
+          </a:ln>
+        </p:spPr>
+        <p:style>
+          <a:lnRef idx="1">
+            <a:schemeClr val="accent1"/>
+          </a:lnRef>
+          <a:fillRef idx="0">
+            <a:schemeClr val="accent1"/>
+          </a:fillRef>
+          <a:effectRef idx="0">
+            <a:schemeClr val="accent1"/>
+          </a:effectRef>
+          <a:fontRef idx="minor">
+            <a:schemeClr val="tx1"/>
+          </a:fontRef>
+        </p:style>
+      </p:cxnSp>
+      <p:cxnSp>
+        <p:nvCxnSpPr>
+          <p:cNvPr id="21" name="肘形连接符 20"/>
+          <p:cNvCxnSpPr>
+            <a:stCxn id="3" idx="0"/>
+            <a:endCxn id="11" idx="3"/>
+          </p:cNvCxnSpPr>
+          <p:nvPr/>
+        </p:nvCxnSpPr>
+        <p:spPr>
+          <a:xfrm rot="16200000" flipV="true">
+            <a:off x="8567420" y="4760595"/>
+            <a:ext cx="932815" cy="749300"/>
+          </a:xfrm>
+          <a:prstGeom prst="bentConnector2">
+            <a:avLst/>
+          </a:prstGeom>
+          <a:ln w="38100">
+            <a:solidFill>
+              <a:srgbClr val="92D050"/>
+            </a:solidFill>
+            <a:headEnd type="arrow"/>
+            <a:tailEnd type="arrow"/>
+          </a:ln>
+        </p:spPr>
+        <p:style>
+          <a:lnRef idx="1">
+            <a:schemeClr val="accent1"/>
+          </a:lnRef>
+          <a:fillRef idx="0">
+            <a:schemeClr val="accent1"/>
+          </a:fillRef>
+          <a:effectRef idx="0">
+            <a:schemeClr val="accent1"/>
+          </a:effectRef>
+          <a:fontRef idx="minor">
+            <a:schemeClr val="tx1"/>
+          </a:fontRef>
+        </p:style>
+      </p:cxnSp>
+      <p:cxnSp>
+        <p:nvCxnSpPr>
+          <p:cNvPr id="22" name="肘形连接符 21"/>
+          <p:cNvCxnSpPr>
+            <a:stCxn id="11" idx="1"/>
+            <a:endCxn id="43" idx="0"/>
+          </p:cNvCxnSpPr>
+          <p:nvPr/>
+        </p:nvCxnSpPr>
+        <p:spPr>
+          <a:xfrm rot="10800000" flipV="true">
+            <a:off x="7028815" y="4669155"/>
+            <a:ext cx="513715" cy="1066800"/>
+          </a:xfrm>
+          <a:prstGeom prst="bentConnector2">
+            <a:avLst/>
+          </a:prstGeom>
+          <a:ln w="38100">
+            <a:solidFill>
+              <a:srgbClr val="92D050"/>
+            </a:solidFill>
+            <a:headEnd type="arrow"/>
+            <a:tailEnd type="arrow"/>
+          </a:ln>
+        </p:spPr>
+        <p:style>
+          <a:lnRef idx="1">
+            <a:schemeClr val="accent1"/>
+          </a:lnRef>
+          <a:fillRef idx="0">
+            <a:schemeClr val="accent1"/>
+          </a:fillRef>
+          <a:effectRef idx="0">
+            <a:schemeClr val="accent1"/>
+          </a:effectRef>
+          <a:fontRef idx="minor">
+            <a:schemeClr val="tx1"/>
+          </a:fontRef>
+        </p:style>
+      </p:cxnSp>
+      <p:cxnSp>
+        <p:nvCxnSpPr>
+          <p:cNvPr id="23" name="肘形连接符 22"/>
+          <p:cNvCxnSpPr>
+            <a:stCxn id="36" idx="2"/>
+            <a:endCxn id="11" idx="0"/>
+          </p:cNvCxnSpPr>
+          <p:nvPr/>
+        </p:nvCxnSpPr>
+        <p:spPr>
+          <a:xfrm rot="5400000" flipV="true">
+            <a:off x="7177405" y="3353435"/>
+            <a:ext cx="1414780" cy="432435"/>
+          </a:xfrm>
+          <a:prstGeom prst="bentConnector3">
+            <a:avLst>
+              <a:gd name="adj1" fmla="val 49978"/>
+            </a:avLst>
+          </a:prstGeom>
+          <a:ln w="38100">
+            <a:solidFill>
+              <a:srgbClr val="FFC000"/>
+            </a:solidFill>
+            <a:headEnd type="arrow"/>
+            <a:tailEnd type="arrow"/>
+          </a:ln>
+        </p:spPr>
+        <p:style>
+          <a:lnRef idx="1">
+            <a:schemeClr val="accent1"/>
+          </a:lnRef>
+          <a:fillRef idx="0">
+            <a:schemeClr val="accent1"/>
+          </a:fillRef>
+          <a:effectRef idx="0">
+            <a:schemeClr val="accent1"/>
+          </a:effectRef>
+          <a:fontRef idx="minor">
+            <a:schemeClr val="tx1"/>
+          </a:fontRef>
+        </p:style>
+      </p:cxnSp>
+      <p:cxnSp>
+        <p:nvCxnSpPr>
+          <p:cNvPr id="24" name="肘形连接符 23"/>
+          <p:cNvCxnSpPr>
+            <a:stCxn id="11" idx="2"/>
+            <a:endCxn id="10" idx="2"/>
+          </p:cNvCxnSpPr>
+          <p:nvPr/>
+        </p:nvCxnSpPr>
+        <p:spPr>
+          <a:xfrm rot="5400000">
+            <a:off x="5179695" y="3211830"/>
+            <a:ext cx="1073150" cy="4770120"/>
+          </a:xfrm>
+          <a:prstGeom prst="bentConnector3">
+            <a:avLst>
+              <a:gd name="adj1" fmla="val 122189"/>
+            </a:avLst>
+          </a:prstGeom>
+          <a:ln w="38100">
+            <a:solidFill>
+              <a:srgbClr val="FFC000"/>
+            </a:solidFill>
+            <a:headEnd type="arrow"/>
+            <a:tailEnd type="arrow"/>
+          </a:ln>
+        </p:spPr>
+        <p:style>
+          <a:lnRef idx="1">
+            <a:schemeClr val="accent1"/>
+          </a:lnRef>
+          <a:fillRef idx="0">
+            <a:schemeClr val="accent1"/>
+          </a:fillRef>
+          <a:effectRef idx="0">
+            <a:schemeClr val="accent1"/>
+          </a:effectRef>
+          <a:fontRef idx="minor">
+            <a:schemeClr val="tx1"/>
+          </a:fontRef>
+        </p:style>
+      </p:cxnSp>
     </p:spTree>
   </p:cSld>
   <p:clrMapOvr>
@@ -33872,8 +33873,8 @@
         </p:nvSpPr>
         <p:spPr>
           <a:xfrm>
-            <a:off x="7327265" y="1854200"/>
-            <a:ext cx="1020445" cy="297180"/>
+            <a:off x="1677035" y="1875155"/>
+            <a:ext cx="1020445" cy="759460"/>
           </a:xfrm>
           <a:prstGeom prst="rect">
             <a:avLst/>
@@ -33914,6 +33915,14 @@
           <a:bodyPr rtlCol="0" anchor="ctr"/>
           <a:p>
             <a:pPr algn="ctr"/>
+            <a:r>
+              <a:rPr lang="en-US" altLang="zh-CN" sz="1200" b="1">
+                <a:solidFill>
+                  <a:srgbClr val="2C3E50"/>
+                </a:solidFill>
+              </a:rPr>
+              <a:t>VM1</a:t>
+            </a:r>
             <a:endParaRPr lang="en-US" altLang="zh-CN" sz="1200" b="1">
               <a:solidFill>
                 <a:srgbClr val="2C3E50"/>
@@ -33930,8 +33939,8 @@
         </p:nvSpPr>
         <p:spPr>
           <a:xfrm>
-            <a:off x="7327265" y="2152015"/>
-            <a:ext cx="1020445" cy="297180"/>
+            <a:off x="1629410" y="4466590"/>
+            <a:ext cx="1020445" cy="739140"/>
           </a:xfrm>
           <a:prstGeom prst="rect">
             <a:avLst/>
@@ -33972,6 +33981,14 @@
           <a:bodyPr rtlCol="0" anchor="ctr"/>
           <a:p>
             <a:pPr algn="ctr"/>
+            <a:r>
+              <a:rPr lang="en-US" altLang="zh-CN" sz="1200" b="1">
+                <a:solidFill>
+                  <a:srgbClr val="2C3E50"/>
+                </a:solidFill>
+              </a:rPr>
+              <a:t>VM2</a:t>
+            </a:r>
             <a:endParaRPr lang="en-US" altLang="zh-CN" sz="1200" b="1">
               <a:solidFill>
                 <a:srgbClr val="2C3E50"/>
@@ -33988,8 +34005,8 @@
         </p:nvSpPr>
         <p:spPr>
           <a:xfrm>
-            <a:off x="7327265" y="2449830"/>
-            <a:ext cx="1020445" cy="297180"/>
+            <a:off x="9265920" y="1875155"/>
+            <a:ext cx="1020445" cy="759460"/>
           </a:xfrm>
           <a:prstGeom prst="rect">
             <a:avLst/>
@@ -34030,6 +34047,14 @@
           <a:bodyPr rtlCol="0" anchor="ctr"/>
           <a:p>
             <a:pPr algn="ctr"/>
+            <a:r>
+              <a:rPr lang="en-US" altLang="zh-CN" sz="1200" b="1">
+                <a:solidFill>
+                  <a:srgbClr val="2C3E50"/>
+                </a:solidFill>
+              </a:rPr>
+              <a:t>VM1:Dev 1</a:t>
+            </a:r>
             <a:endParaRPr lang="en-US" altLang="zh-CN" sz="1200" b="1">
               <a:solidFill>
                 <a:srgbClr val="2C3E50"/>
@@ -34046,8 +34071,8 @@
         </p:nvSpPr>
         <p:spPr>
           <a:xfrm>
-            <a:off x="7327265" y="2747645"/>
-            <a:ext cx="1020445" cy="297180"/>
+            <a:off x="9265920" y="4466590"/>
+            <a:ext cx="1020445" cy="738505"/>
           </a:xfrm>
           <a:prstGeom prst="rect">
             <a:avLst/>
@@ -34088,6 +34113,15 @@
           <a:bodyPr rtlCol="0" anchor="ctr"/>
           <a:p>
             <a:pPr algn="ctr"/>
+            <a:r>
+              <a:rPr lang="en-US" altLang="zh-CN" sz="1200" b="1">
+                <a:solidFill>
+                  <a:srgbClr val="2C3E50"/>
+                </a:solidFill>
+                <a:sym typeface="+mn-ea"/>
+              </a:rPr>
+              <a:t>VM2:Dev 1</a:t>
+            </a:r>
             <a:endParaRPr lang="en-US" altLang="zh-CN" sz="1200" b="1">
               <a:solidFill>
                 <a:srgbClr val="2C3E50"/>
@@ -34104,8 +34138,8 @@
         </p:nvSpPr>
         <p:spPr>
           <a:xfrm>
-            <a:off x="7327265" y="3045460"/>
-            <a:ext cx="1020445" cy="297180"/>
+            <a:off x="3238500" y="2941320"/>
+            <a:ext cx="1149350" cy="974725"/>
           </a:xfrm>
           <a:prstGeom prst="rect">
             <a:avLst/>
@@ -34146,6 +34180,14 @@
           <a:bodyPr rtlCol="0" anchor="ctr"/>
           <a:p>
             <a:pPr algn="ctr"/>
+            <a:r>
+              <a:rPr lang="en-US" altLang="zh-CN" sz="1200" b="1">
+                <a:solidFill>
+                  <a:srgbClr val="2C3E50"/>
+                </a:solidFill>
+              </a:rPr>
+              <a:t>EPT</a:t>
+            </a:r>
             <a:endParaRPr lang="en-US" altLang="zh-CN" sz="1200" b="1">
               <a:solidFill>
                 <a:srgbClr val="2C3E50"/>
@@ -34162,8 +34204,8 @@
         </p:nvSpPr>
         <p:spPr>
           <a:xfrm>
-            <a:off x="7327265" y="3343275"/>
-            <a:ext cx="1020445" cy="297180"/>
+            <a:off x="5395595" y="1732915"/>
+            <a:ext cx="1020445" cy="3391535"/>
           </a:xfrm>
           <a:prstGeom prst="rect">
             <a:avLst/>
@@ -34204,7 +34246,31 @@
           <a:bodyPr rtlCol="0" anchor="ctr"/>
           <a:p>
             <a:pPr algn="ctr"/>
-            <a:endParaRPr lang="en-US" altLang="zh-CN" sz="1200" b="1">
+            <a:r>
+              <a:rPr lang="en-US" altLang="en-US" sz="1200" b="1">
+                <a:solidFill>
+                  <a:srgbClr val="2C3E50"/>
+                </a:solidFill>
+              </a:rPr>
+              <a:t>pyhical</a:t>
+            </a:r>
+            <a:endParaRPr lang="en-US" altLang="en-US" sz="1200" b="1">
+              <a:solidFill>
+                <a:srgbClr val="2C3E50"/>
+              </a:solidFill>
+            </a:endParaRPr>
+          </a:p>
+          <a:p>
+            <a:pPr algn="ctr"/>
+            <a:r>
+              <a:rPr lang="en-US" altLang="en-US" sz="1200" b="1">
+                <a:solidFill>
+                  <a:srgbClr val="2C3E50"/>
+                </a:solidFill>
+              </a:rPr>
+              <a:t>memory</a:t>
+            </a:r>
+            <a:endParaRPr lang="en-US" altLang="en-US" sz="1200" b="1">
               <a:solidFill>
                 <a:srgbClr val="2C3E50"/>
               </a:solidFill>
@@ -34220,8 +34286,8 @@
         </p:nvSpPr>
         <p:spPr>
           <a:xfrm>
-            <a:off x="7327265" y="3641090"/>
-            <a:ext cx="1020445" cy="297180"/>
+            <a:off x="7348855" y="2912745"/>
+            <a:ext cx="1266190" cy="1032510"/>
           </a:xfrm>
           <a:prstGeom prst="rect">
             <a:avLst/>
@@ -34262,7 +34328,31 @@
           <a:bodyPr rtlCol="0" anchor="ctr"/>
           <a:p>
             <a:pPr algn="ctr"/>
+            <a:r>
+              <a:rPr lang="en-US" altLang="zh-CN" sz="1200" b="1">
+                <a:solidFill>
+                  <a:srgbClr val="2C3E50"/>
+                </a:solidFill>
+              </a:rPr>
+              <a:t>DMA</a:t>
+            </a:r>
             <a:endParaRPr lang="en-US" altLang="zh-CN" sz="1200" b="1">
+              <a:solidFill>
+                <a:srgbClr val="2C3E50"/>
+              </a:solidFill>
+            </a:endParaRPr>
+          </a:p>
+          <a:p>
+            <a:pPr algn="ctr"/>
+            <a:r>
+              <a:rPr lang="en-US" altLang="en-US" sz="1200" b="1">
+                <a:solidFill>
+                  <a:srgbClr val="2C3E50"/>
+                </a:solidFill>
+              </a:rPr>
+              <a:t>Remaping</a:t>
+            </a:r>
+            <a:endParaRPr lang="en-US" altLang="en-US" sz="1200" b="1">
               <a:solidFill>
                 <a:srgbClr val="2C3E50"/>
               </a:solidFill>
@@ -34270,64 +34360,240 @@
           </a:p>
         </p:txBody>
       </p:sp>
-      <p:sp>
-        <p:nvSpPr>
-          <p:cNvPr id="43" name="矩形 42"/>
-          <p:cNvSpPr/>
-          <p:nvPr/>
-        </p:nvSpPr>
+      <p:cxnSp>
+        <p:nvCxnSpPr>
+          <p:cNvPr id="2" name="肘形连接符 1"/>
+          <p:cNvCxnSpPr>
+            <a:stCxn id="35" idx="3"/>
+            <a:endCxn id="40" idx="0"/>
+          </p:cNvCxnSpPr>
+          <p:nvPr/>
+        </p:nvCxnSpPr>
         <p:spPr>
           <a:xfrm>
-            <a:off x="7327265" y="3938905"/>
-            <a:ext cx="1020445" cy="297180"/>
-          </a:xfrm>
-          <a:prstGeom prst="rect">
+            <a:off x="2697480" y="2254885"/>
+            <a:ext cx="1115695" cy="686435"/>
+          </a:xfrm>
+          <a:prstGeom prst="bentConnector2">
             <a:avLst/>
           </a:prstGeom>
-          <a:noFill/>
-          <a:ln w="28575">
+          <a:ln w="38100">
             <a:solidFill>
-              <a:srgbClr val="2C3E50"/>
+              <a:srgbClr val="3EAF7C"/>
             </a:solidFill>
+            <a:tailEnd type="arrow"/>
           </a:ln>
-          <a:extLst>
-            <a:ext uri="{909E8E84-426E-40DD-AFC4-6F175D3DCCD1}">
-              <a14:hiddenFill xmlns:a14="http://schemas.microsoft.com/office/drawing/2010/main">
-                <a:solidFill>
-                  <a:schemeClr val="accent1"/>
-                </a:solidFill>
-              </a14:hiddenFill>
-            </a:ext>
-          </a:extLst>
         </p:spPr>
         <p:style>
-          <a:lnRef idx="2">
-            <a:schemeClr val="accent1">
-              <a:shade val="50000"/>
-            </a:schemeClr>
+          <a:lnRef idx="1">
+            <a:schemeClr val="accent1"/>
           </a:lnRef>
-          <a:fillRef idx="1">
+          <a:fillRef idx="0">
             <a:schemeClr val="accent1"/>
           </a:fillRef>
           <a:effectRef idx="0">
             <a:schemeClr val="accent1"/>
           </a:effectRef>
           <a:fontRef idx="minor">
-            <a:schemeClr val="lt1"/>
+            <a:schemeClr val="tx1"/>
           </a:fontRef>
         </p:style>
-        <p:txBody>
-          <a:bodyPr rtlCol="0" anchor="ctr"/>
-          <a:p>
-            <a:pPr algn="ctr"/>
-            <a:endParaRPr lang="en-US" altLang="zh-CN" sz="1200" b="1">
-              <a:solidFill>
-                <a:srgbClr val="2C3E50"/>
-              </a:solidFill>
-            </a:endParaRPr>
-          </a:p>
-        </p:txBody>
-      </p:sp>
+      </p:cxnSp>
+      <p:cxnSp>
+        <p:nvCxnSpPr>
+          <p:cNvPr id="3" name="肘形连接符 2"/>
+          <p:cNvCxnSpPr>
+            <a:stCxn id="36" idx="3"/>
+            <a:endCxn id="40" idx="2"/>
+          </p:cNvCxnSpPr>
+          <p:nvPr/>
+        </p:nvCxnSpPr>
+        <p:spPr>
+          <a:xfrm flipV="true">
+            <a:off x="2649855" y="3916045"/>
+            <a:ext cx="1163320" cy="920115"/>
+          </a:xfrm>
+          <a:prstGeom prst="bentConnector2">
+            <a:avLst/>
+          </a:prstGeom>
+          <a:ln w="38100">
+            <a:solidFill>
+              <a:srgbClr val="3EAF7C"/>
+            </a:solidFill>
+            <a:tailEnd type="arrow"/>
+          </a:ln>
+        </p:spPr>
+        <p:style>
+          <a:lnRef idx="1">
+            <a:schemeClr val="accent1"/>
+          </a:lnRef>
+          <a:fillRef idx="0">
+            <a:schemeClr val="accent1"/>
+          </a:fillRef>
+          <a:effectRef idx="0">
+            <a:schemeClr val="accent1"/>
+          </a:effectRef>
+          <a:fontRef idx="minor">
+            <a:schemeClr val="tx1"/>
+          </a:fontRef>
+        </p:style>
+      </p:cxnSp>
+      <p:cxnSp>
+        <p:nvCxnSpPr>
+          <p:cNvPr id="4" name="直接箭头连接符 3"/>
+          <p:cNvCxnSpPr>
+            <a:stCxn id="40" idx="3"/>
+            <a:endCxn id="41" idx="1"/>
+          </p:cNvCxnSpPr>
+          <p:nvPr/>
+        </p:nvCxnSpPr>
+        <p:spPr>
+          <a:xfrm>
+            <a:off x="4387850" y="3429000"/>
+            <a:ext cx="1007745" cy="0"/>
+          </a:xfrm>
+          <a:prstGeom prst="straightConnector1">
+            <a:avLst/>
+          </a:prstGeom>
+          <a:ln w="38100">
+            <a:solidFill>
+              <a:srgbClr val="3EAF7C"/>
+            </a:solidFill>
+            <a:tailEnd type="arrow"/>
+          </a:ln>
+        </p:spPr>
+        <p:style>
+          <a:lnRef idx="1">
+            <a:schemeClr val="accent1"/>
+          </a:lnRef>
+          <a:fillRef idx="0">
+            <a:schemeClr val="accent1"/>
+          </a:fillRef>
+          <a:effectRef idx="0">
+            <a:schemeClr val="accent1"/>
+          </a:effectRef>
+          <a:fontRef idx="minor">
+            <a:schemeClr val="tx1"/>
+          </a:fontRef>
+        </p:style>
+      </p:cxnSp>
+      <p:cxnSp>
+        <p:nvCxnSpPr>
+          <p:cNvPr id="5" name="直接箭头连接符 4"/>
+          <p:cNvCxnSpPr>
+            <a:stCxn id="42" idx="1"/>
+            <a:endCxn id="41" idx="3"/>
+          </p:cNvCxnSpPr>
+          <p:nvPr/>
+        </p:nvCxnSpPr>
+        <p:spPr>
+          <a:xfrm flipH="true">
+            <a:off x="6416040" y="3429000"/>
+            <a:ext cx="932815" cy="0"/>
+          </a:xfrm>
+          <a:prstGeom prst="straightConnector1">
+            <a:avLst/>
+          </a:prstGeom>
+          <a:ln w="38100">
+            <a:solidFill>
+              <a:srgbClr val="3EAF7C"/>
+            </a:solidFill>
+            <a:tailEnd type="arrow"/>
+          </a:ln>
+        </p:spPr>
+        <p:style>
+          <a:lnRef idx="1">
+            <a:schemeClr val="accent1"/>
+          </a:lnRef>
+          <a:fillRef idx="0">
+            <a:schemeClr val="accent1"/>
+          </a:fillRef>
+          <a:effectRef idx="0">
+            <a:schemeClr val="accent1"/>
+          </a:effectRef>
+          <a:fontRef idx="minor">
+            <a:schemeClr val="tx1"/>
+          </a:fontRef>
+        </p:style>
+      </p:cxnSp>
+      <p:cxnSp>
+        <p:nvCxnSpPr>
+          <p:cNvPr id="6" name="肘形连接符 5"/>
+          <p:cNvCxnSpPr>
+            <a:stCxn id="37" idx="1"/>
+            <a:endCxn id="42" idx="0"/>
+          </p:cNvCxnSpPr>
+          <p:nvPr/>
+        </p:nvCxnSpPr>
+        <p:spPr>
+          <a:xfrm rot="10800000" flipV="true">
+            <a:off x="7981950" y="2254885"/>
+            <a:ext cx="1283970" cy="657860"/>
+          </a:xfrm>
+          <a:prstGeom prst="bentConnector2">
+            <a:avLst/>
+          </a:prstGeom>
+          <a:ln w="38100">
+            <a:solidFill>
+              <a:srgbClr val="3EAF7C"/>
+            </a:solidFill>
+            <a:tailEnd type="arrow"/>
+          </a:ln>
+        </p:spPr>
+        <p:style>
+          <a:lnRef idx="1">
+            <a:schemeClr val="accent1"/>
+          </a:lnRef>
+          <a:fillRef idx="0">
+            <a:schemeClr val="accent1"/>
+          </a:fillRef>
+          <a:effectRef idx="0">
+            <a:schemeClr val="accent1"/>
+          </a:effectRef>
+          <a:fontRef idx="minor">
+            <a:schemeClr val="tx1"/>
+          </a:fontRef>
+        </p:style>
+      </p:cxnSp>
+      <p:cxnSp>
+        <p:nvCxnSpPr>
+          <p:cNvPr id="7" name="肘形连接符 6"/>
+          <p:cNvCxnSpPr>
+            <a:stCxn id="38" idx="1"/>
+            <a:endCxn id="42" idx="2"/>
+          </p:cNvCxnSpPr>
+          <p:nvPr/>
+        </p:nvCxnSpPr>
+        <p:spPr>
+          <a:xfrm rot="10800000">
+            <a:off x="7981950" y="3944620"/>
+            <a:ext cx="1283970" cy="890905"/>
+          </a:xfrm>
+          <a:prstGeom prst="bentConnector2">
+            <a:avLst/>
+          </a:prstGeom>
+          <a:ln w="38100">
+            <a:solidFill>
+              <a:srgbClr val="3EAF7C"/>
+            </a:solidFill>
+            <a:tailEnd type="arrow"/>
+          </a:ln>
+        </p:spPr>
+        <p:style>
+          <a:lnRef idx="1">
+            <a:schemeClr val="accent1"/>
+          </a:lnRef>
+          <a:fillRef idx="0">
+            <a:schemeClr val="accent1"/>
+          </a:fillRef>
+          <a:effectRef idx="0">
+            <a:schemeClr val="accent1"/>
+          </a:effectRef>
+          <a:fontRef idx="minor">
+            <a:schemeClr val="tx1"/>
+          </a:fontRef>
+        </p:style>
+      </p:cxnSp>
     </p:spTree>
   </p:cSld>
   <p:clrMapOvr>
@@ -35340,6 +35606,488 @@
               <a:t>static QemuOptsList *vm_config_groups[48];</a:t>
             </a:r>
             <a:endParaRPr lang="zh-CN" altLang="en-US" sz="1400" b="1">
+              <a:solidFill>
+                <a:srgbClr val="2C3E50"/>
+              </a:solidFill>
+            </a:endParaRPr>
+          </a:p>
+        </p:txBody>
+      </p:sp>
+    </p:spTree>
+  </p:cSld>
+  <p:clrMapOvr>
+    <a:masterClrMapping/>
+  </p:clrMapOvr>
+</p:sld>
+</file>
+
+<file path=ppt/slides/slide30.xml><?xml version="1.0" encoding="utf-8"?>
+<p:sld xmlns:a="http://schemas.openxmlformats.org/drawingml/2006/main" xmlns:r="http://schemas.openxmlformats.org/officeDocument/2006/relationships" xmlns:p="http://schemas.openxmlformats.org/presentationml/2006/main">
+  <p:cSld>
+    <p:spTree>
+      <p:nvGrpSpPr>
+        <p:cNvPr id="1" name=""/>
+        <p:cNvGrpSpPr/>
+        <p:nvPr/>
+      </p:nvGrpSpPr>
+      <p:grpSpPr/>
+      <p:sp>
+        <p:nvSpPr>
+          <p:cNvPr id="35" name="矩形 34"/>
+          <p:cNvSpPr/>
+          <p:nvPr/>
+        </p:nvSpPr>
+        <p:spPr>
+          <a:xfrm>
+            <a:off x="7327265" y="1854200"/>
+            <a:ext cx="1020445" cy="297180"/>
+          </a:xfrm>
+          <a:prstGeom prst="rect">
+            <a:avLst/>
+          </a:prstGeom>
+          <a:noFill/>
+          <a:ln w="28575">
+            <a:solidFill>
+              <a:srgbClr val="2C3E50"/>
+            </a:solidFill>
+          </a:ln>
+          <a:extLst>
+            <a:ext uri="{909E8E84-426E-40DD-AFC4-6F175D3DCCD1}">
+              <a14:hiddenFill xmlns:a14="http://schemas.microsoft.com/office/drawing/2010/main">
+                <a:solidFill>
+                  <a:schemeClr val="accent1"/>
+                </a:solidFill>
+              </a14:hiddenFill>
+            </a:ext>
+          </a:extLst>
+        </p:spPr>
+        <p:style>
+          <a:lnRef idx="2">
+            <a:schemeClr val="accent1">
+              <a:shade val="50000"/>
+            </a:schemeClr>
+          </a:lnRef>
+          <a:fillRef idx="1">
+            <a:schemeClr val="accent1"/>
+          </a:fillRef>
+          <a:effectRef idx="0">
+            <a:schemeClr val="accent1"/>
+          </a:effectRef>
+          <a:fontRef idx="minor">
+            <a:schemeClr val="lt1"/>
+          </a:fontRef>
+        </p:style>
+        <p:txBody>
+          <a:bodyPr rtlCol="0" anchor="ctr"/>
+          <a:p>
+            <a:pPr algn="ctr"/>
+            <a:endParaRPr lang="en-US" altLang="zh-CN" sz="1200" b="1">
+              <a:solidFill>
+                <a:srgbClr val="2C3E50"/>
+              </a:solidFill>
+            </a:endParaRPr>
+          </a:p>
+        </p:txBody>
+      </p:sp>
+      <p:sp>
+        <p:nvSpPr>
+          <p:cNvPr id="36" name="矩形 35"/>
+          <p:cNvSpPr/>
+          <p:nvPr/>
+        </p:nvSpPr>
+        <p:spPr>
+          <a:xfrm>
+            <a:off x="7327265" y="2152015"/>
+            <a:ext cx="1020445" cy="297180"/>
+          </a:xfrm>
+          <a:prstGeom prst="rect">
+            <a:avLst/>
+          </a:prstGeom>
+          <a:noFill/>
+          <a:ln w="28575">
+            <a:solidFill>
+              <a:srgbClr val="2C3E50"/>
+            </a:solidFill>
+          </a:ln>
+          <a:extLst>
+            <a:ext uri="{909E8E84-426E-40DD-AFC4-6F175D3DCCD1}">
+              <a14:hiddenFill xmlns:a14="http://schemas.microsoft.com/office/drawing/2010/main">
+                <a:solidFill>
+                  <a:schemeClr val="accent1"/>
+                </a:solidFill>
+              </a14:hiddenFill>
+            </a:ext>
+          </a:extLst>
+        </p:spPr>
+        <p:style>
+          <a:lnRef idx="2">
+            <a:schemeClr val="accent1">
+              <a:shade val="50000"/>
+            </a:schemeClr>
+          </a:lnRef>
+          <a:fillRef idx="1">
+            <a:schemeClr val="accent1"/>
+          </a:fillRef>
+          <a:effectRef idx="0">
+            <a:schemeClr val="accent1"/>
+          </a:effectRef>
+          <a:fontRef idx="minor">
+            <a:schemeClr val="lt1"/>
+          </a:fontRef>
+        </p:style>
+        <p:txBody>
+          <a:bodyPr rtlCol="0" anchor="ctr"/>
+          <a:p>
+            <a:pPr algn="ctr"/>
+            <a:endParaRPr lang="en-US" altLang="zh-CN" sz="1200" b="1">
+              <a:solidFill>
+                <a:srgbClr val="2C3E50"/>
+              </a:solidFill>
+            </a:endParaRPr>
+          </a:p>
+        </p:txBody>
+      </p:sp>
+      <p:sp>
+        <p:nvSpPr>
+          <p:cNvPr id="37" name="矩形 36"/>
+          <p:cNvSpPr/>
+          <p:nvPr/>
+        </p:nvSpPr>
+        <p:spPr>
+          <a:xfrm>
+            <a:off x="7327265" y="2449830"/>
+            <a:ext cx="1020445" cy="297180"/>
+          </a:xfrm>
+          <a:prstGeom prst="rect">
+            <a:avLst/>
+          </a:prstGeom>
+          <a:noFill/>
+          <a:ln w="28575">
+            <a:solidFill>
+              <a:srgbClr val="2C3E50"/>
+            </a:solidFill>
+          </a:ln>
+          <a:extLst>
+            <a:ext uri="{909E8E84-426E-40DD-AFC4-6F175D3DCCD1}">
+              <a14:hiddenFill xmlns:a14="http://schemas.microsoft.com/office/drawing/2010/main">
+                <a:solidFill>
+                  <a:schemeClr val="accent1"/>
+                </a:solidFill>
+              </a14:hiddenFill>
+            </a:ext>
+          </a:extLst>
+        </p:spPr>
+        <p:style>
+          <a:lnRef idx="2">
+            <a:schemeClr val="accent1">
+              <a:shade val="50000"/>
+            </a:schemeClr>
+          </a:lnRef>
+          <a:fillRef idx="1">
+            <a:schemeClr val="accent1"/>
+          </a:fillRef>
+          <a:effectRef idx="0">
+            <a:schemeClr val="accent1"/>
+          </a:effectRef>
+          <a:fontRef idx="minor">
+            <a:schemeClr val="lt1"/>
+          </a:fontRef>
+        </p:style>
+        <p:txBody>
+          <a:bodyPr rtlCol="0" anchor="ctr"/>
+          <a:p>
+            <a:pPr algn="ctr"/>
+            <a:endParaRPr lang="en-US" altLang="zh-CN" sz="1200" b="1">
+              <a:solidFill>
+                <a:srgbClr val="2C3E50"/>
+              </a:solidFill>
+            </a:endParaRPr>
+          </a:p>
+        </p:txBody>
+      </p:sp>
+      <p:sp>
+        <p:nvSpPr>
+          <p:cNvPr id="38" name="矩形 37"/>
+          <p:cNvSpPr/>
+          <p:nvPr/>
+        </p:nvSpPr>
+        <p:spPr>
+          <a:xfrm>
+            <a:off x="7327265" y="2747645"/>
+            <a:ext cx="1020445" cy="297180"/>
+          </a:xfrm>
+          <a:prstGeom prst="rect">
+            <a:avLst/>
+          </a:prstGeom>
+          <a:noFill/>
+          <a:ln w="28575">
+            <a:solidFill>
+              <a:srgbClr val="2C3E50"/>
+            </a:solidFill>
+          </a:ln>
+          <a:extLst>
+            <a:ext uri="{909E8E84-426E-40DD-AFC4-6F175D3DCCD1}">
+              <a14:hiddenFill xmlns:a14="http://schemas.microsoft.com/office/drawing/2010/main">
+                <a:solidFill>
+                  <a:schemeClr val="accent1"/>
+                </a:solidFill>
+              </a14:hiddenFill>
+            </a:ext>
+          </a:extLst>
+        </p:spPr>
+        <p:style>
+          <a:lnRef idx="2">
+            <a:schemeClr val="accent1">
+              <a:shade val="50000"/>
+            </a:schemeClr>
+          </a:lnRef>
+          <a:fillRef idx="1">
+            <a:schemeClr val="accent1"/>
+          </a:fillRef>
+          <a:effectRef idx="0">
+            <a:schemeClr val="accent1"/>
+          </a:effectRef>
+          <a:fontRef idx="minor">
+            <a:schemeClr val="lt1"/>
+          </a:fontRef>
+        </p:style>
+        <p:txBody>
+          <a:bodyPr rtlCol="0" anchor="ctr"/>
+          <a:p>
+            <a:pPr algn="ctr"/>
+            <a:endParaRPr lang="en-US" altLang="zh-CN" sz="1200" b="1">
+              <a:solidFill>
+                <a:srgbClr val="2C3E50"/>
+              </a:solidFill>
+            </a:endParaRPr>
+          </a:p>
+        </p:txBody>
+      </p:sp>
+      <p:sp>
+        <p:nvSpPr>
+          <p:cNvPr id="40" name="矩形 39"/>
+          <p:cNvSpPr/>
+          <p:nvPr/>
+        </p:nvSpPr>
+        <p:spPr>
+          <a:xfrm>
+            <a:off x="7327265" y="3045460"/>
+            <a:ext cx="1020445" cy="297180"/>
+          </a:xfrm>
+          <a:prstGeom prst="rect">
+            <a:avLst/>
+          </a:prstGeom>
+          <a:noFill/>
+          <a:ln w="28575">
+            <a:solidFill>
+              <a:srgbClr val="2C3E50"/>
+            </a:solidFill>
+          </a:ln>
+          <a:extLst>
+            <a:ext uri="{909E8E84-426E-40DD-AFC4-6F175D3DCCD1}">
+              <a14:hiddenFill xmlns:a14="http://schemas.microsoft.com/office/drawing/2010/main">
+                <a:solidFill>
+                  <a:schemeClr val="accent1"/>
+                </a:solidFill>
+              </a14:hiddenFill>
+            </a:ext>
+          </a:extLst>
+        </p:spPr>
+        <p:style>
+          <a:lnRef idx="2">
+            <a:schemeClr val="accent1">
+              <a:shade val="50000"/>
+            </a:schemeClr>
+          </a:lnRef>
+          <a:fillRef idx="1">
+            <a:schemeClr val="accent1"/>
+          </a:fillRef>
+          <a:effectRef idx="0">
+            <a:schemeClr val="accent1"/>
+          </a:effectRef>
+          <a:fontRef idx="minor">
+            <a:schemeClr val="lt1"/>
+          </a:fontRef>
+        </p:style>
+        <p:txBody>
+          <a:bodyPr rtlCol="0" anchor="ctr"/>
+          <a:p>
+            <a:pPr algn="ctr"/>
+            <a:endParaRPr lang="en-US" altLang="zh-CN" sz="1200" b="1">
+              <a:solidFill>
+                <a:srgbClr val="2C3E50"/>
+              </a:solidFill>
+            </a:endParaRPr>
+          </a:p>
+        </p:txBody>
+      </p:sp>
+      <p:sp>
+        <p:nvSpPr>
+          <p:cNvPr id="41" name="矩形 40"/>
+          <p:cNvSpPr/>
+          <p:nvPr/>
+        </p:nvSpPr>
+        <p:spPr>
+          <a:xfrm>
+            <a:off x="7327265" y="3343275"/>
+            <a:ext cx="1020445" cy="297180"/>
+          </a:xfrm>
+          <a:prstGeom prst="rect">
+            <a:avLst/>
+          </a:prstGeom>
+          <a:noFill/>
+          <a:ln w="28575">
+            <a:solidFill>
+              <a:srgbClr val="2C3E50"/>
+            </a:solidFill>
+          </a:ln>
+          <a:extLst>
+            <a:ext uri="{909E8E84-426E-40DD-AFC4-6F175D3DCCD1}">
+              <a14:hiddenFill xmlns:a14="http://schemas.microsoft.com/office/drawing/2010/main">
+                <a:solidFill>
+                  <a:schemeClr val="accent1"/>
+                </a:solidFill>
+              </a14:hiddenFill>
+            </a:ext>
+          </a:extLst>
+        </p:spPr>
+        <p:style>
+          <a:lnRef idx="2">
+            <a:schemeClr val="accent1">
+              <a:shade val="50000"/>
+            </a:schemeClr>
+          </a:lnRef>
+          <a:fillRef idx="1">
+            <a:schemeClr val="accent1"/>
+          </a:fillRef>
+          <a:effectRef idx="0">
+            <a:schemeClr val="accent1"/>
+          </a:effectRef>
+          <a:fontRef idx="minor">
+            <a:schemeClr val="lt1"/>
+          </a:fontRef>
+        </p:style>
+        <p:txBody>
+          <a:bodyPr rtlCol="0" anchor="ctr"/>
+          <a:p>
+            <a:pPr algn="ctr"/>
+            <a:endParaRPr lang="en-US" altLang="zh-CN" sz="1200" b="1">
+              <a:solidFill>
+                <a:srgbClr val="2C3E50"/>
+              </a:solidFill>
+            </a:endParaRPr>
+          </a:p>
+        </p:txBody>
+      </p:sp>
+      <p:sp>
+        <p:nvSpPr>
+          <p:cNvPr id="42" name="矩形 41"/>
+          <p:cNvSpPr/>
+          <p:nvPr/>
+        </p:nvSpPr>
+        <p:spPr>
+          <a:xfrm>
+            <a:off x="7327265" y="3641090"/>
+            <a:ext cx="1020445" cy="297180"/>
+          </a:xfrm>
+          <a:prstGeom prst="rect">
+            <a:avLst/>
+          </a:prstGeom>
+          <a:noFill/>
+          <a:ln w="28575">
+            <a:solidFill>
+              <a:srgbClr val="2C3E50"/>
+            </a:solidFill>
+          </a:ln>
+          <a:extLst>
+            <a:ext uri="{909E8E84-426E-40DD-AFC4-6F175D3DCCD1}">
+              <a14:hiddenFill xmlns:a14="http://schemas.microsoft.com/office/drawing/2010/main">
+                <a:solidFill>
+                  <a:schemeClr val="accent1"/>
+                </a:solidFill>
+              </a14:hiddenFill>
+            </a:ext>
+          </a:extLst>
+        </p:spPr>
+        <p:style>
+          <a:lnRef idx="2">
+            <a:schemeClr val="accent1">
+              <a:shade val="50000"/>
+            </a:schemeClr>
+          </a:lnRef>
+          <a:fillRef idx="1">
+            <a:schemeClr val="accent1"/>
+          </a:fillRef>
+          <a:effectRef idx="0">
+            <a:schemeClr val="accent1"/>
+          </a:effectRef>
+          <a:fontRef idx="minor">
+            <a:schemeClr val="lt1"/>
+          </a:fontRef>
+        </p:style>
+        <p:txBody>
+          <a:bodyPr rtlCol="0" anchor="ctr"/>
+          <a:p>
+            <a:pPr algn="ctr"/>
+            <a:endParaRPr lang="en-US" altLang="zh-CN" sz="1200" b="1">
+              <a:solidFill>
+                <a:srgbClr val="2C3E50"/>
+              </a:solidFill>
+            </a:endParaRPr>
+          </a:p>
+        </p:txBody>
+      </p:sp>
+      <p:sp>
+        <p:nvSpPr>
+          <p:cNvPr id="43" name="矩形 42"/>
+          <p:cNvSpPr/>
+          <p:nvPr/>
+        </p:nvSpPr>
+        <p:spPr>
+          <a:xfrm>
+            <a:off x="7327265" y="3938905"/>
+            <a:ext cx="1020445" cy="297180"/>
+          </a:xfrm>
+          <a:prstGeom prst="rect">
+            <a:avLst/>
+          </a:prstGeom>
+          <a:noFill/>
+          <a:ln w="28575">
+            <a:solidFill>
+              <a:srgbClr val="2C3E50"/>
+            </a:solidFill>
+          </a:ln>
+          <a:extLst>
+            <a:ext uri="{909E8E84-426E-40DD-AFC4-6F175D3DCCD1}">
+              <a14:hiddenFill xmlns:a14="http://schemas.microsoft.com/office/drawing/2010/main">
+                <a:solidFill>
+                  <a:schemeClr val="accent1"/>
+                </a:solidFill>
+              </a14:hiddenFill>
+            </a:ext>
+          </a:extLst>
+        </p:spPr>
+        <p:style>
+          <a:lnRef idx="2">
+            <a:schemeClr val="accent1">
+              <a:shade val="50000"/>
+            </a:schemeClr>
+          </a:lnRef>
+          <a:fillRef idx="1">
+            <a:schemeClr val="accent1"/>
+          </a:fillRef>
+          <a:effectRef idx="0">
+            <a:schemeClr val="accent1"/>
+          </a:effectRef>
+          <a:fontRef idx="minor">
+            <a:schemeClr val="lt1"/>
+          </a:fontRef>
+        </p:style>
+        <p:txBody>
+          <a:bodyPr rtlCol="0" anchor="ctr"/>
+          <a:p>
+            <a:pPr algn="ctr"/>
+            <a:endParaRPr lang="en-US" altLang="zh-CN" sz="1200" b="1">
               <a:solidFill>
                 <a:srgbClr val="2C3E50"/>
               </a:solidFill>
